--- a/hoge.pptx
+++ b/hoge.pptx
@@ -2,7 +2,7 @@
 <file path=ppt/presentation.xml><?xml version="1.0" encoding="utf-8"?>
 <p:presentation xmlns:a="http://schemas.openxmlformats.org/drawingml/2006/main" xmlns:r="http://schemas.openxmlformats.org/officeDocument/2006/relationships" xmlns:p="http://schemas.openxmlformats.org/presentationml/2006/main" saveSubsetFonts="1" autoCompressPictures="0">
   <p:sldMasterIdLst>
-    <p:sldMasterId id="2147483648" r:id="rId1"/>
+    <p:sldMasterId id="2147484513" r:id="rId1"/>
   </p:sldMasterIdLst>
   <p:sldIdLst>
     <p:sldId id="256" r:id="rId2"/>
@@ -129,7 +129,7 @@
 
 <file path=ppt/slideLayouts/slideLayout1.xml><?xml version="1.0" encoding="utf-8"?>
 <p:sldLayout xmlns:a="http://schemas.openxmlformats.org/drawingml/2006/main" xmlns:r="http://schemas.openxmlformats.org/officeDocument/2006/relationships" xmlns:p="http://schemas.openxmlformats.org/presentationml/2006/main" type="title" preserve="1">
-  <p:cSld name="Title Slide">
+  <p:cSld name="タイトル スライド">
     <p:spTree>
       <p:nvGrpSpPr>
         <p:cNvPr id="1" name=""/>
@@ -156,19 +156,25 @@
         </p:nvSpPr>
         <p:spPr>
           <a:xfrm>
-            <a:off x="685800" y="2130425"/>
-            <a:ext cx="7772400" cy="1470025"/>
+            <a:off x="1125459" y="959313"/>
+            <a:ext cx="5760741" cy="2571891"/>
           </a:xfrm>
         </p:spPr>
         <p:txBody>
-          <a:bodyPr/>
-          <a:lstStyle/>
-          <a:p>
-            <a:r>
-              <a:rPr lang="en-US" smtClean="0"/>
-              <a:t>Click to edit Master title style</a:t>
-            </a:r>
-            <a:endParaRPr lang="en-US"/>
+          <a:bodyPr bIns="0" anchor="b">
+            <a:normAutofit/>
+          </a:bodyPr>
+          <a:lstStyle>
+            <a:lvl1pPr algn="l">
+              <a:defRPr sz="5400"/>
+            </a:lvl1pPr>
+          </a:lstStyle>
+          <a:p>
+            <a:r>
+              <a:rPr lang="ja-JP" altLang="en-US"/>
+              <a:t>マスター タイトルの書式設定</a:t>
+            </a:r>
+            <a:endParaRPr lang="en-US" dirty="0"/>
           </a:p>
         </p:txBody>
       </p:sp>
@@ -184,110 +190,62 @@
         </p:nvSpPr>
         <p:spPr>
           <a:xfrm>
-            <a:off x="1371600" y="3886200"/>
-            <a:ext cx="6400800" cy="1752600"/>
+            <a:off x="1125459" y="3531205"/>
+            <a:ext cx="5760741" cy="977621"/>
           </a:xfrm>
         </p:spPr>
         <p:txBody>
-          <a:bodyPr/>
+          <a:bodyPr tIns="91440" bIns="91440">
+            <a:normAutofit/>
+          </a:bodyPr>
           <a:lstStyle>
-            <a:lvl1pPr marL="0" indent="0" algn="ctr">
-              <a:buNone/>
-              <a:defRPr>
+            <a:lvl1pPr marL="0" indent="0" algn="l">
+              <a:buNone/>
+              <a:defRPr sz="1600" b="0">
                 <a:solidFill>
-                  <a:schemeClr val="tx1">
-                    <a:tint val="75000"/>
-                  </a:schemeClr>
+                  <a:schemeClr val="tx1"/>
                 </a:solidFill>
               </a:defRPr>
             </a:lvl1pPr>
-            <a:lvl2pPr marL="457200" indent="0" algn="ctr">
-              <a:buNone/>
-              <a:defRPr>
-                <a:solidFill>
-                  <a:schemeClr val="tx1">
-                    <a:tint val="75000"/>
-                  </a:schemeClr>
-                </a:solidFill>
-              </a:defRPr>
+            <a:lvl2pPr marL="342900" indent="0" algn="ctr">
+              <a:buNone/>
+              <a:defRPr sz="1500"/>
             </a:lvl2pPr>
-            <a:lvl3pPr marL="914400" indent="0" algn="ctr">
-              <a:buNone/>
-              <a:defRPr>
-                <a:solidFill>
-                  <a:schemeClr val="tx1">
-                    <a:tint val="75000"/>
-                  </a:schemeClr>
-                </a:solidFill>
-              </a:defRPr>
+            <a:lvl3pPr marL="685800" indent="0" algn="ctr">
+              <a:buNone/>
+              <a:defRPr sz="1350"/>
             </a:lvl3pPr>
-            <a:lvl4pPr marL="1371600" indent="0" algn="ctr">
-              <a:buNone/>
-              <a:defRPr>
-                <a:solidFill>
-                  <a:schemeClr val="tx1">
-                    <a:tint val="75000"/>
-                  </a:schemeClr>
-                </a:solidFill>
-              </a:defRPr>
+            <a:lvl4pPr marL="1028700" indent="0" algn="ctr">
+              <a:buNone/>
+              <a:defRPr sz="1200"/>
             </a:lvl4pPr>
-            <a:lvl5pPr marL="1828800" indent="0" algn="ctr">
-              <a:buNone/>
-              <a:defRPr>
-                <a:solidFill>
-                  <a:schemeClr val="tx1">
-                    <a:tint val="75000"/>
-                  </a:schemeClr>
-                </a:solidFill>
-              </a:defRPr>
+            <a:lvl5pPr marL="1371600" indent="0" algn="ctr">
+              <a:buNone/>
+              <a:defRPr sz="1200"/>
             </a:lvl5pPr>
-            <a:lvl6pPr marL="2286000" indent="0" algn="ctr">
-              <a:buNone/>
-              <a:defRPr>
-                <a:solidFill>
-                  <a:schemeClr val="tx1">
-                    <a:tint val="75000"/>
-                  </a:schemeClr>
-                </a:solidFill>
-              </a:defRPr>
+            <a:lvl6pPr marL="1714500" indent="0" algn="ctr">
+              <a:buNone/>
+              <a:defRPr sz="1200"/>
             </a:lvl6pPr>
-            <a:lvl7pPr marL="2743200" indent="0" algn="ctr">
-              <a:buNone/>
-              <a:defRPr>
-                <a:solidFill>
-                  <a:schemeClr val="tx1">
-                    <a:tint val="75000"/>
-                  </a:schemeClr>
-                </a:solidFill>
-              </a:defRPr>
+            <a:lvl7pPr marL="2057400" indent="0" algn="ctr">
+              <a:buNone/>
+              <a:defRPr sz="1200"/>
             </a:lvl7pPr>
-            <a:lvl8pPr marL="3200400" indent="0" algn="ctr">
-              <a:buNone/>
-              <a:defRPr>
-                <a:solidFill>
-                  <a:schemeClr val="tx1">
-                    <a:tint val="75000"/>
-                  </a:schemeClr>
-                </a:solidFill>
-              </a:defRPr>
+            <a:lvl8pPr marL="2400300" indent="0" algn="ctr">
+              <a:buNone/>
+              <a:defRPr sz="1200"/>
             </a:lvl8pPr>
-            <a:lvl9pPr marL="3657600" indent="0" algn="ctr">
-              <a:buNone/>
-              <a:defRPr>
-                <a:solidFill>
-                  <a:schemeClr val="tx1">
-                    <a:tint val="75000"/>
-                  </a:schemeClr>
-                </a:solidFill>
-              </a:defRPr>
+            <a:lvl9pPr marL="2743200" indent="0" algn="ctr">
+              <a:buNone/>
+              <a:defRPr sz="1200"/>
             </a:lvl9pPr>
           </a:lstStyle>
           <a:p>
             <a:r>
-              <a:rPr lang="en-US" smtClean="0"/>
-              <a:t>Click to edit Master subtitle style</a:t>
-            </a:r>
-            <a:endParaRPr lang="en-US"/>
+              <a:rPr lang="ja-JP" altLang="en-US"/>
+              <a:t>マスター サブタイトルの書式設定</a:t>
+            </a:r>
+            <a:endParaRPr lang="en-US" dirty="0"/>
           </a:p>
         </p:txBody>
       </p:sp>
@@ -308,7 +266,7 @@
           <a:p>
             <a:fld id="{241EB5C9-1307-BA42-ABA2-0BC069CD8E7F}" type="datetimeFigureOut">
               <a:rPr lang="en-US" smtClean="0"/>
-              <a:t>4/5/2019</a:t>
+              <a:t>1/22/20</a:t>
             </a:fld>
             <a:endParaRPr lang="en-US"/>
           </a:p>
@@ -324,7 +282,12 @@
             <p:ph type="ftr" sz="quarter" idx="11"/>
           </p:nvPr>
         </p:nvSpPr>
-        <p:spPr/>
+        <p:spPr>
+          <a:xfrm>
+            <a:off x="1125459" y="329308"/>
+            <a:ext cx="3392144" cy="309201"/>
+          </a:xfrm>
+        </p:spPr>
         <p:txBody>
           <a:bodyPr/>
           <a:lstStyle/>
@@ -343,7 +306,12 @@
             <p:ph type="sldNum" sz="quarter" idx="12"/>
           </p:nvPr>
         </p:nvSpPr>
-        <p:spPr/>
+        <p:spPr>
+          <a:xfrm>
+            <a:off x="6886200" y="131730"/>
+            <a:ext cx="802005" cy="503578"/>
+          </a:xfrm>
+        </p:spPr>
         <p:txBody>
           <a:bodyPr/>
           <a:lstStyle/>
@@ -356,10 +324,50 @@
           </a:p>
         </p:txBody>
       </p:sp>
+      <p:pic>
+        <p:nvPicPr>
+          <p:cNvPr id="16" name="Picture 15" descr="RedHashing.emf"/>
+          <p:cNvPicPr>
+            <a:picLocks/>
+          </p:cNvPicPr>
+          <p:nvPr/>
+        </p:nvPicPr>
+        <p:blipFill rotWithShape="1">
+          <a:blip r:embed="rId2">
+            <a:duotone>
+              <a:schemeClr val="accent1">
+                <a:shade val="45000"/>
+                <a:satMod val="135000"/>
+              </a:schemeClr>
+              <a:prstClr val="white"/>
+            </a:duotone>
+            <a:extLst>
+              <a:ext uri="{28A0092B-C50C-407E-A947-70E740481C1C}">
+                <a14:useLocalDpi xmlns:a14="http://schemas.microsoft.com/office/drawing/2010/main" val="0"/>
+              </a:ext>
+            </a:extLst>
+          </a:blip>
+          <a:srcRect l="-116" r="42454" b="36435"/>
+          <a:stretch/>
+        </p:blipFill>
+        <p:spPr>
+          <a:xfrm>
+            <a:off x="1125460" y="643464"/>
+            <a:ext cx="6574536" cy="155448"/>
+          </a:xfrm>
+          <a:prstGeom prst="rect">
+            <a:avLst/>
+          </a:prstGeom>
+          <a:noFill/>
+          <a:ln>
+            <a:noFill/>
+          </a:ln>
+        </p:spPr>
+      </p:pic>
     </p:spTree>
     <p:extLst>
       <p:ext uri="{BB962C8B-B14F-4D97-AF65-F5344CB8AC3E}">
-        <p14:creationId xmlns:p14="http://schemas.microsoft.com/office/powerpoint/2010/main" val="1444357513"/>
+        <p14:creationId xmlns:p14="http://schemas.microsoft.com/office/powerpoint/2010/main" val="1502237974"/>
       </p:ext>
     </p:extLst>
   </p:cSld>
@@ -371,7 +379,7 @@
 
 <file path=ppt/slideLayouts/slideLayout10.xml><?xml version="1.0" encoding="utf-8"?>
 <p:sldLayout xmlns:a="http://schemas.openxmlformats.org/drawingml/2006/main" xmlns:r="http://schemas.openxmlformats.org/officeDocument/2006/relationships" xmlns:p="http://schemas.openxmlformats.org/presentationml/2006/main" type="vertTx" preserve="1">
-  <p:cSld name="Title and Vertical Text">
+  <p:cSld name="タイトルと縦書きテキスト">
     <p:spTree>
       <p:nvGrpSpPr>
         <p:cNvPr id="1" name=""/>
@@ -402,10 +410,10 @@
           <a:lstStyle/>
           <a:p>
             <a:r>
-              <a:rPr lang="en-US" smtClean="0"/>
-              <a:t>Click to edit Master title style</a:t>
-            </a:r>
-            <a:endParaRPr lang="en-US"/>
+              <a:rPr lang="ja-JP" altLang="en-US"/>
+              <a:t>マスター タイトルの書式設定</a:t>
+            </a:r>
+            <a:endParaRPr lang="en-US" dirty="0"/>
           </a:p>
         </p:txBody>
       </p:sp>
@@ -426,38 +434,70 @@
           <a:p>
             <a:pPr lvl="0"/>
             <a:r>
-              <a:rPr lang="en-US" smtClean="0"/>
-              <a:t>Click to edit Master text styles</a:t>
+              <a:rPr lang="ja-JP" altLang="en-US"/>
+              <a:t>マスター テキストの書式設定</a:t>
             </a:r>
           </a:p>
           <a:p>
             <a:pPr lvl="1"/>
             <a:r>
-              <a:rPr lang="en-US" smtClean="0"/>
-              <a:t>Second level</a:t>
+              <a:rPr lang="ja-JP" altLang="en-US"/>
+              <a:t>第 </a:t>
+            </a:r>
+            <a:r>
+              <a:rPr lang="en-US" altLang="ja-JP"/>
+              <a:t>2 </a:t>
+            </a:r>
+            <a:r>
+              <a:rPr lang="ja-JP" altLang="en-US"/>
+              <a:t>レベル</a:t>
             </a:r>
           </a:p>
           <a:p>
             <a:pPr lvl="2"/>
             <a:r>
-              <a:rPr lang="en-US" smtClean="0"/>
-              <a:t>Third level</a:t>
+              <a:rPr lang="ja-JP" altLang="en-US"/>
+              <a:t>第 </a:t>
+            </a:r>
+            <a:r>
+              <a:rPr lang="en-US" altLang="ja-JP"/>
+              <a:t>3 </a:t>
+            </a:r>
+            <a:r>
+              <a:rPr lang="ja-JP" altLang="en-US"/>
+              <a:t>レベル</a:t>
             </a:r>
           </a:p>
           <a:p>
             <a:pPr lvl="3"/>
             <a:r>
-              <a:rPr lang="en-US" smtClean="0"/>
-              <a:t>Fourth level</a:t>
+              <a:rPr lang="ja-JP" altLang="en-US"/>
+              <a:t>第 </a:t>
+            </a:r>
+            <a:r>
+              <a:rPr lang="en-US" altLang="ja-JP"/>
+              <a:t>4 </a:t>
+            </a:r>
+            <a:r>
+              <a:rPr lang="ja-JP" altLang="en-US"/>
+              <a:t>レベル</a:t>
             </a:r>
           </a:p>
           <a:p>
             <a:pPr lvl="4"/>
             <a:r>
-              <a:rPr lang="en-US" smtClean="0"/>
-              <a:t>Fifth level</a:t>
-            </a:r>
-            <a:endParaRPr lang="en-US"/>
+              <a:rPr lang="ja-JP" altLang="en-US"/>
+              <a:t>第 </a:t>
+            </a:r>
+            <a:r>
+              <a:rPr lang="en-US" altLang="ja-JP"/>
+              <a:t>5 </a:t>
+            </a:r>
+            <a:r>
+              <a:rPr lang="ja-JP" altLang="en-US"/>
+              <a:t>レベル</a:t>
+            </a:r>
+            <a:endParaRPr lang="en-US" dirty="0"/>
           </a:p>
         </p:txBody>
       </p:sp>
@@ -478,7 +518,7 @@
           <a:p>
             <a:fld id="{241EB5C9-1307-BA42-ABA2-0BC069CD8E7F}" type="datetimeFigureOut">
               <a:rPr lang="en-US" smtClean="0"/>
-              <a:t>4/5/2019</a:t>
+              <a:t>1/22/20</a:t>
             </a:fld>
             <a:endParaRPr lang="en-US"/>
           </a:p>
@@ -526,10 +566,50 @@
           </a:p>
         </p:txBody>
       </p:sp>
+      <p:pic>
+        <p:nvPicPr>
+          <p:cNvPr id="15" name="Picture 14" descr="RedHashing.emf"/>
+          <p:cNvPicPr>
+            <a:picLocks/>
+          </p:cNvPicPr>
+          <p:nvPr/>
+        </p:nvPicPr>
+        <p:blipFill rotWithShape="1">
+          <a:blip r:embed="rId2">
+            <a:duotone>
+              <a:schemeClr val="accent1">
+                <a:shade val="45000"/>
+                <a:satMod val="135000"/>
+              </a:schemeClr>
+              <a:prstClr val="white"/>
+            </a:duotone>
+            <a:extLst>
+              <a:ext uri="{28A0092B-C50C-407E-A947-70E740481C1C}">
+                <a14:useLocalDpi xmlns:a14="http://schemas.microsoft.com/office/drawing/2010/main" val="0"/>
+              </a:ext>
+            </a:extLst>
+          </a:blip>
+          <a:srcRect l="-116" r="42454" b="36435"/>
+          <a:stretch/>
+        </p:blipFill>
+        <p:spPr>
+          <a:xfrm>
+            <a:off x="1125460" y="643464"/>
+            <a:ext cx="6574536" cy="155448"/>
+          </a:xfrm>
+          <a:prstGeom prst="rect">
+            <a:avLst/>
+          </a:prstGeom>
+          <a:noFill/>
+          <a:ln>
+            <a:noFill/>
+          </a:ln>
+        </p:spPr>
+      </p:pic>
     </p:spTree>
     <p:extLst>
       <p:ext uri="{BB962C8B-B14F-4D97-AF65-F5344CB8AC3E}">
-        <p14:creationId xmlns:p14="http://schemas.microsoft.com/office/powerpoint/2010/main" val="313914798"/>
+        <p14:creationId xmlns:p14="http://schemas.microsoft.com/office/powerpoint/2010/main" val="901079295"/>
       </p:ext>
     </p:extLst>
   </p:cSld>
@@ -541,7 +621,7 @@
 
 <file path=ppt/slideLayouts/slideLayout11.xml><?xml version="1.0" encoding="utf-8"?>
 <p:sldLayout xmlns:a="http://schemas.openxmlformats.org/drawingml/2006/main" xmlns:r="http://schemas.openxmlformats.org/officeDocument/2006/relationships" xmlns:p="http://schemas.openxmlformats.org/presentationml/2006/main" type="vertTitleAndTx" preserve="1">
-  <p:cSld name="Vertical Title and Text">
+  <p:cSld name="縦書きタイトルと&#10;縦書きテキスト">
     <p:spTree>
       <p:nvGrpSpPr>
         <p:cNvPr id="1" name=""/>
@@ -568,19 +648,23 @@
         </p:nvSpPr>
         <p:spPr>
           <a:xfrm>
-            <a:off x="6629400" y="274638"/>
-            <a:ext cx="2057400" cy="5851525"/>
+            <a:off x="6586447" y="796298"/>
+            <a:ext cx="1103027" cy="4662565"/>
           </a:xfrm>
         </p:spPr>
         <p:txBody>
           <a:bodyPr vert="eaVert"/>
-          <a:lstStyle/>
-          <a:p>
-            <a:r>
-              <a:rPr lang="en-US" smtClean="0"/>
-              <a:t>Click to edit Master title style</a:t>
-            </a:r>
-            <a:endParaRPr lang="en-US"/>
+          <a:lstStyle>
+            <a:lvl1pPr algn="l">
+              <a:defRPr/>
+            </a:lvl1pPr>
+          </a:lstStyle>
+          <a:p>
+            <a:r>
+              <a:rPr lang="ja-JP" altLang="en-US"/>
+              <a:t>マスター タイトルの書式設定</a:t>
+            </a:r>
+            <a:endParaRPr lang="en-US" dirty="0"/>
           </a:p>
         </p:txBody>
       </p:sp>
@@ -596,8 +680,8 @@
         </p:nvSpPr>
         <p:spPr>
           <a:xfrm>
-            <a:off x="457200" y="274638"/>
-            <a:ext cx="6019800" cy="5851525"/>
+            <a:off x="1111910" y="796298"/>
+            <a:ext cx="5301095" cy="4662565"/>
           </a:xfrm>
         </p:spPr>
         <p:txBody>
@@ -606,38 +690,70 @@
           <a:p>
             <a:pPr lvl="0"/>
             <a:r>
-              <a:rPr lang="en-US" smtClean="0"/>
-              <a:t>Click to edit Master text styles</a:t>
+              <a:rPr lang="ja-JP" altLang="en-US"/>
+              <a:t>マスター テキストの書式設定</a:t>
             </a:r>
           </a:p>
           <a:p>
             <a:pPr lvl="1"/>
             <a:r>
-              <a:rPr lang="en-US" smtClean="0"/>
-              <a:t>Second level</a:t>
+              <a:rPr lang="ja-JP" altLang="en-US"/>
+              <a:t>第 </a:t>
+            </a:r>
+            <a:r>
+              <a:rPr lang="en-US" altLang="ja-JP"/>
+              <a:t>2 </a:t>
+            </a:r>
+            <a:r>
+              <a:rPr lang="ja-JP" altLang="en-US"/>
+              <a:t>レベル</a:t>
             </a:r>
           </a:p>
           <a:p>
             <a:pPr lvl="2"/>
             <a:r>
-              <a:rPr lang="en-US" smtClean="0"/>
-              <a:t>Third level</a:t>
+              <a:rPr lang="ja-JP" altLang="en-US"/>
+              <a:t>第 </a:t>
+            </a:r>
+            <a:r>
+              <a:rPr lang="en-US" altLang="ja-JP"/>
+              <a:t>3 </a:t>
+            </a:r>
+            <a:r>
+              <a:rPr lang="ja-JP" altLang="en-US"/>
+              <a:t>レベル</a:t>
             </a:r>
           </a:p>
           <a:p>
             <a:pPr lvl="3"/>
             <a:r>
-              <a:rPr lang="en-US" smtClean="0"/>
-              <a:t>Fourth level</a:t>
+              <a:rPr lang="ja-JP" altLang="en-US"/>
+              <a:t>第 </a:t>
+            </a:r>
+            <a:r>
+              <a:rPr lang="en-US" altLang="ja-JP"/>
+              <a:t>4 </a:t>
+            </a:r>
+            <a:r>
+              <a:rPr lang="ja-JP" altLang="en-US"/>
+              <a:t>レベル</a:t>
             </a:r>
           </a:p>
           <a:p>
             <a:pPr lvl="4"/>
             <a:r>
-              <a:rPr lang="en-US" smtClean="0"/>
-              <a:t>Fifth level</a:t>
-            </a:r>
-            <a:endParaRPr lang="en-US"/>
+              <a:rPr lang="ja-JP" altLang="en-US"/>
+              <a:t>第 </a:t>
+            </a:r>
+            <a:r>
+              <a:rPr lang="en-US" altLang="ja-JP"/>
+              <a:t>5 </a:t>
+            </a:r>
+            <a:r>
+              <a:rPr lang="ja-JP" altLang="en-US"/>
+              <a:t>レベル</a:t>
+            </a:r>
+            <a:endParaRPr lang="en-US" dirty="0"/>
           </a:p>
         </p:txBody>
       </p:sp>
@@ -658,7 +774,7 @@
           <a:p>
             <a:fld id="{241EB5C9-1307-BA42-ABA2-0BC069CD8E7F}" type="datetimeFigureOut">
               <a:rPr lang="en-US" smtClean="0"/>
-              <a:t>4/5/2019</a:t>
+              <a:t>1/22/20</a:t>
             </a:fld>
             <a:endParaRPr lang="en-US"/>
           </a:p>
@@ -706,10 +822,50 @@
           </a:p>
         </p:txBody>
       </p:sp>
+      <p:pic>
+        <p:nvPicPr>
+          <p:cNvPr id="16" name="Picture 15" descr="RedHashing.emf"/>
+          <p:cNvPicPr>
+            <a:picLocks/>
+          </p:cNvPicPr>
+          <p:nvPr/>
+        </p:nvPicPr>
+        <p:blipFill rotWithShape="1">
+          <a:blip r:embed="rId2">
+            <a:duotone>
+              <a:schemeClr val="accent1">
+                <a:shade val="45000"/>
+                <a:satMod val="135000"/>
+              </a:schemeClr>
+              <a:prstClr val="white"/>
+            </a:duotone>
+            <a:extLst>
+              <a:ext uri="{28A0092B-C50C-407E-A947-70E740481C1C}">
+                <a14:useLocalDpi xmlns:a14="http://schemas.microsoft.com/office/drawing/2010/main" val="0"/>
+              </a:ext>
+            </a:extLst>
+          </a:blip>
+          <a:srcRect l="-116" r="59215" b="36435"/>
+          <a:stretch/>
+        </p:blipFill>
+        <p:spPr>
+          <a:xfrm rot="5400000">
+            <a:off x="5605390" y="3050294"/>
+            <a:ext cx="4663440" cy="155448"/>
+          </a:xfrm>
+          <a:prstGeom prst="rect">
+            <a:avLst/>
+          </a:prstGeom>
+          <a:noFill/>
+          <a:ln>
+            <a:noFill/>
+          </a:ln>
+        </p:spPr>
+      </p:pic>
     </p:spTree>
     <p:extLst>
       <p:ext uri="{BB962C8B-B14F-4D97-AF65-F5344CB8AC3E}">
-        <p14:creationId xmlns:p14="http://schemas.microsoft.com/office/powerpoint/2010/main" val="2581529045"/>
+        <p14:creationId xmlns:p14="http://schemas.microsoft.com/office/powerpoint/2010/main" val="1193828648"/>
       </p:ext>
     </p:extLst>
   </p:cSld>
@@ -721,7 +877,7 @@
 
 <file path=ppt/slideLayouts/slideLayout2.xml><?xml version="1.0" encoding="utf-8"?>
 <p:sldLayout xmlns:a="http://schemas.openxmlformats.org/drawingml/2006/main" xmlns:r="http://schemas.openxmlformats.org/officeDocument/2006/relationships" xmlns:p="http://schemas.openxmlformats.org/presentationml/2006/main" type="obj" preserve="1">
-  <p:cSld name="Title and Content">
+  <p:cSld name="タイトルとコンテンツ">
     <p:spTree>
       <p:nvGrpSpPr>
         <p:cNvPr id="1" name=""/>
@@ -752,10 +908,10 @@
           <a:lstStyle/>
           <a:p>
             <a:r>
-              <a:rPr lang="en-US" smtClean="0"/>
-              <a:t>Click to edit Master title style</a:t>
-            </a:r>
-            <a:endParaRPr lang="en-US"/>
+              <a:rPr lang="ja-JP" altLang="en-US"/>
+              <a:t>マスター タイトルの書式設定</a:t>
+            </a:r>
+            <a:endParaRPr lang="en-US" dirty="0"/>
           </a:p>
         </p:txBody>
       </p:sp>
@@ -771,43 +927,75 @@
         </p:nvSpPr>
         <p:spPr/>
         <p:txBody>
-          <a:bodyPr/>
+          <a:bodyPr anchor="t"/>
           <a:lstStyle/>
           <a:p>
             <a:pPr lvl="0"/>
             <a:r>
-              <a:rPr lang="en-US" smtClean="0"/>
-              <a:t>Click to edit Master text styles</a:t>
+              <a:rPr lang="ja-JP" altLang="en-US"/>
+              <a:t>マスター テキストの書式設定</a:t>
             </a:r>
           </a:p>
           <a:p>
             <a:pPr lvl="1"/>
             <a:r>
-              <a:rPr lang="en-US" smtClean="0"/>
-              <a:t>Second level</a:t>
+              <a:rPr lang="ja-JP" altLang="en-US"/>
+              <a:t>第 </a:t>
+            </a:r>
+            <a:r>
+              <a:rPr lang="en-US" altLang="ja-JP"/>
+              <a:t>2 </a:t>
+            </a:r>
+            <a:r>
+              <a:rPr lang="ja-JP" altLang="en-US"/>
+              <a:t>レベル</a:t>
             </a:r>
           </a:p>
           <a:p>
             <a:pPr lvl="2"/>
             <a:r>
-              <a:rPr lang="en-US" smtClean="0"/>
-              <a:t>Third level</a:t>
+              <a:rPr lang="ja-JP" altLang="en-US"/>
+              <a:t>第 </a:t>
+            </a:r>
+            <a:r>
+              <a:rPr lang="en-US" altLang="ja-JP"/>
+              <a:t>3 </a:t>
+            </a:r>
+            <a:r>
+              <a:rPr lang="ja-JP" altLang="en-US"/>
+              <a:t>レベル</a:t>
             </a:r>
           </a:p>
           <a:p>
             <a:pPr lvl="3"/>
             <a:r>
-              <a:rPr lang="en-US" smtClean="0"/>
-              <a:t>Fourth level</a:t>
+              <a:rPr lang="ja-JP" altLang="en-US"/>
+              <a:t>第 </a:t>
+            </a:r>
+            <a:r>
+              <a:rPr lang="en-US" altLang="ja-JP"/>
+              <a:t>4 </a:t>
+            </a:r>
+            <a:r>
+              <a:rPr lang="ja-JP" altLang="en-US"/>
+              <a:t>レベル</a:t>
             </a:r>
           </a:p>
           <a:p>
             <a:pPr lvl="4"/>
             <a:r>
-              <a:rPr lang="en-US" smtClean="0"/>
-              <a:t>Fifth level</a:t>
-            </a:r>
-            <a:endParaRPr lang="en-US"/>
+              <a:rPr lang="ja-JP" altLang="en-US"/>
+              <a:t>第 </a:t>
+            </a:r>
+            <a:r>
+              <a:rPr lang="en-US" altLang="ja-JP"/>
+              <a:t>5 </a:t>
+            </a:r>
+            <a:r>
+              <a:rPr lang="ja-JP" altLang="en-US"/>
+              <a:t>レベル</a:t>
+            </a:r>
+            <a:endParaRPr lang="en-US" dirty="0"/>
           </a:p>
         </p:txBody>
       </p:sp>
@@ -828,7 +1016,7 @@
           <a:p>
             <a:fld id="{241EB5C9-1307-BA42-ABA2-0BC069CD8E7F}" type="datetimeFigureOut">
               <a:rPr lang="en-US" smtClean="0"/>
-              <a:t>4/5/2019</a:t>
+              <a:t>1/22/20</a:t>
             </a:fld>
             <a:endParaRPr lang="en-US"/>
           </a:p>
@@ -876,10 +1064,50 @@
           </a:p>
         </p:txBody>
       </p:sp>
+      <p:pic>
+        <p:nvPicPr>
+          <p:cNvPr id="15" name="Picture 14" descr="RedHashing.emf"/>
+          <p:cNvPicPr>
+            <a:picLocks/>
+          </p:cNvPicPr>
+          <p:nvPr/>
+        </p:nvPicPr>
+        <p:blipFill rotWithShape="1">
+          <a:blip r:embed="rId2">
+            <a:duotone>
+              <a:schemeClr val="accent1">
+                <a:shade val="45000"/>
+                <a:satMod val="135000"/>
+              </a:schemeClr>
+              <a:prstClr val="white"/>
+            </a:duotone>
+            <a:extLst>
+              <a:ext uri="{28A0092B-C50C-407E-A947-70E740481C1C}">
+                <a14:useLocalDpi xmlns:a14="http://schemas.microsoft.com/office/drawing/2010/main" val="0"/>
+              </a:ext>
+            </a:extLst>
+          </a:blip>
+          <a:srcRect l="-116" r="42454" b="36435"/>
+          <a:stretch/>
+        </p:blipFill>
+        <p:spPr>
+          <a:xfrm>
+            <a:off x="1125460" y="643464"/>
+            <a:ext cx="6574536" cy="155448"/>
+          </a:xfrm>
+          <a:prstGeom prst="rect">
+            <a:avLst/>
+          </a:prstGeom>
+          <a:noFill/>
+          <a:ln>
+            <a:noFill/>
+          </a:ln>
+        </p:spPr>
+      </p:pic>
     </p:spTree>
     <p:extLst>
       <p:ext uri="{BB962C8B-B14F-4D97-AF65-F5344CB8AC3E}">
-        <p14:creationId xmlns:p14="http://schemas.microsoft.com/office/powerpoint/2010/main" val="338346009"/>
+        <p14:creationId xmlns:p14="http://schemas.microsoft.com/office/powerpoint/2010/main" val="552989608"/>
       </p:ext>
     </p:extLst>
   </p:cSld>
@@ -891,7 +1119,7 @@
 
 <file path=ppt/slideLayouts/slideLayout3.xml><?xml version="1.0" encoding="utf-8"?>
 <p:sldLayout xmlns:a="http://schemas.openxmlformats.org/drawingml/2006/main" xmlns:r="http://schemas.openxmlformats.org/officeDocument/2006/relationships" xmlns:p="http://schemas.openxmlformats.org/presentationml/2006/main" type="secHead" preserve="1">
-  <p:cSld name="Section Header">
+  <p:cSld name="セクション見出し">
     <p:spTree>
       <p:nvGrpSpPr>
         <p:cNvPr id="1" name=""/>
@@ -918,23 +1146,25 @@
         </p:nvSpPr>
         <p:spPr>
           <a:xfrm>
-            <a:off x="722313" y="4406900"/>
-            <a:ext cx="7772400" cy="1362075"/>
+            <a:off x="1125459" y="1756130"/>
+            <a:ext cx="5764142" cy="2050066"/>
           </a:xfrm>
         </p:spPr>
         <p:txBody>
-          <a:bodyPr anchor="t"/>
+          <a:bodyPr anchor="b">
+            <a:normAutofit/>
+          </a:bodyPr>
           <a:lstStyle>
             <a:lvl1pPr algn="l">
-              <a:defRPr sz="4000" b="1" cap="all"/>
+              <a:defRPr sz="3200"/>
             </a:lvl1pPr>
           </a:lstStyle>
           <a:p>
             <a:r>
-              <a:rPr lang="en-US" smtClean="0"/>
-              <a:t>Click to edit Master title style</a:t>
-            </a:r>
-            <a:endParaRPr lang="en-US"/>
+              <a:rPr lang="ja-JP" altLang="en-US"/>
+              <a:t>マスター タイトルの書式設定</a:t>
+            </a:r>
+            <a:endParaRPr lang="en-US" dirty="0"/>
           </a:p>
         </p:txBody>
       </p:sp>
@@ -950,26 +1180,26 @@
         </p:nvSpPr>
         <p:spPr>
           <a:xfrm>
-            <a:off x="722313" y="2906713"/>
-            <a:ext cx="7772400" cy="1500187"/>
+            <a:off x="1125460" y="3806196"/>
+            <a:ext cx="5764142" cy="1012929"/>
           </a:xfrm>
         </p:spPr>
         <p:txBody>
-          <a:bodyPr anchor="b"/>
+          <a:bodyPr tIns="91440">
+            <a:normAutofit/>
+          </a:bodyPr>
           <a:lstStyle>
-            <a:lvl1pPr marL="0" indent="0">
+            <a:lvl1pPr marL="0" indent="0" algn="l">
               <a:buNone/>
               <a:defRPr sz="2000">
                 <a:solidFill>
-                  <a:schemeClr val="tx1">
-                    <a:tint val="75000"/>
-                  </a:schemeClr>
+                  <a:schemeClr val="tx1"/>
                 </a:solidFill>
               </a:defRPr>
             </a:lvl1pPr>
-            <a:lvl2pPr marL="457200" indent="0">
-              <a:buNone/>
-              <a:defRPr sz="1800">
+            <a:lvl2pPr marL="342900" indent="0">
+              <a:buNone/>
+              <a:defRPr sz="1500">
                 <a:solidFill>
                   <a:schemeClr val="tx1">
                     <a:tint val="75000"/>
@@ -977,9 +1207,9 @@
                 </a:solidFill>
               </a:defRPr>
             </a:lvl2pPr>
-            <a:lvl3pPr marL="914400" indent="0">
-              <a:buNone/>
-              <a:defRPr sz="1600">
+            <a:lvl3pPr marL="685800" indent="0">
+              <a:buNone/>
+              <a:defRPr sz="1350">
                 <a:solidFill>
                   <a:schemeClr val="tx1">
                     <a:tint val="75000"/>
@@ -987,9 +1217,9 @@
                 </a:solidFill>
               </a:defRPr>
             </a:lvl3pPr>
-            <a:lvl4pPr marL="1371600" indent="0">
-              <a:buNone/>
-              <a:defRPr sz="1400">
+            <a:lvl4pPr marL="1028700" indent="0">
+              <a:buNone/>
+              <a:defRPr sz="1200">
                 <a:solidFill>
                   <a:schemeClr val="tx1">
                     <a:tint val="75000"/>
@@ -997,9 +1227,9 @@
                 </a:solidFill>
               </a:defRPr>
             </a:lvl4pPr>
-            <a:lvl5pPr marL="1828800" indent="0">
-              <a:buNone/>
-              <a:defRPr sz="1400">
+            <a:lvl5pPr marL="1371600" indent="0">
+              <a:buNone/>
+              <a:defRPr sz="1200">
                 <a:solidFill>
                   <a:schemeClr val="tx1">
                     <a:tint val="75000"/>
@@ -1007,9 +1237,9 @@
                 </a:solidFill>
               </a:defRPr>
             </a:lvl5pPr>
-            <a:lvl6pPr marL="2286000" indent="0">
-              <a:buNone/>
-              <a:defRPr sz="1400">
+            <a:lvl6pPr marL="1714500" indent="0">
+              <a:buNone/>
+              <a:defRPr sz="1200">
                 <a:solidFill>
                   <a:schemeClr val="tx1">
                     <a:tint val="75000"/>
@@ -1017,9 +1247,9 @@
                 </a:solidFill>
               </a:defRPr>
             </a:lvl6pPr>
-            <a:lvl7pPr marL="2743200" indent="0">
-              <a:buNone/>
-              <a:defRPr sz="1400">
+            <a:lvl7pPr marL="2057400" indent="0">
+              <a:buNone/>
+              <a:defRPr sz="1200">
                 <a:solidFill>
                   <a:schemeClr val="tx1">
                     <a:tint val="75000"/>
@@ -1027,9 +1257,9 @@
                 </a:solidFill>
               </a:defRPr>
             </a:lvl7pPr>
-            <a:lvl8pPr marL="3200400" indent="0">
-              <a:buNone/>
-              <a:defRPr sz="1400">
+            <a:lvl8pPr marL="2400300" indent="0">
+              <a:buNone/>
+              <a:defRPr sz="1200">
                 <a:solidFill>
                   <a:schemeClr val="tx1">
                     <a:tint val="75000"/>
@@ -1037,9 +1267,9 @@
                 </a:solidFill>
               </a:defRPr>
             </a:lvl8pPr>
-            <a:lvl9pPr marL="3657600" indent="0">
-              <a:buNone/>
-              <a:defRPr sz="1400">
+            <a:lvl9pPr marL="2743200" indent="0">
+              <a:buNone/>
+              <a:defRPr sz="1200">
                 <a:solidFill>
                   <a:schemeClr val="tx1">
                     <a:tint val="75000"/>
@@ -1051,8 +1281,8 @@
           <a:p>
             <a:pPr lvl="0"/>
             <a:r>
-              <a:rPr lang="en-US" smtClean="0"/>
-              <a:t>Click to edit Master text styles</a:t>
+              <a:rPr lang="ja-JP" altLang="en-US"/>
+              <a:t>マスター テキストの書式設定</a:t>
             </a:r>
           </a:p>
         </p:txBody>
@@ -1074,7 +1304,7 @@
           <a:p>
             <a:fld id="{241EB5C9-1307-BA42-ABA2-0BC069CD8E7F}" type="datetimeFigureOut">
               <a:rPr lang="en-US" smtClean="0"/>
-              <a:t>4/5/2019</a:t>
+              <a:t>1/22/20</a:t>
             </a:fld>
             <a:endParaRPr lang="en-US"/>
           </a:p>
@@ -1122,10 +1352,50 @@
           </a:p>
         </p:txBody>
       </p:sp>
+      <p:pic>
+        <p:nvPicPr>
+          <p:cNvPr id="16" name="Picture 15" descr="RedHashing.emf"/>
+          <p:cNvPicPr>
+            <a:picLocks/>
+          </p:cNvPicPr>
+          <p:nvPr/>
+        </p:nvPicPr>
+        <p:blipFill rotWithShape="1">
+          <a:blip r:embed="rId2">
+            <a:duotone>
+              <a:schemeClr val="accent1">
+                <a:shade val="45000"/>
+                <a:satMod val="135000"/>
+              </a:schemeClr>
+              <a:prstClr val="white"/>
+            </a:duotone>
+            <a:extLst>
+              <a:ext uri="{28A0092B-C50C-407E-A947-70E740481C1C}">
+                <a14:useLocalDpi xmlns:a14="http://schemas.microsoft.com/office/drawing/2010/main" val="0"/>
+              </a:ext>
+            </a:extLst>
+          </a:blip>
+          <a:srcRect l="-116" r="42454" b="36435"/>
+          <a:stretch/>
+        </p:blipFill>
+        <p:spPr>
+          <a:xfrm>
+            <a:off x="1125460" y="643464"/>
+            <a:ext cx="6574536" cy="155448"/>
+          </a:xfrm>
+          <a:prstGeom prst="rect">
+            <a:avLst/>
+          </a:prstGeom>
+          <a:noFill/>
+          <a:ln>
+            <a:noFill/>
+          </a:ln>
+        </p:spPr>
+      </p:pic>
     </p:spTree>
     <p:extLst>
       <p:ext uri="{BB962C8B-B14F-4D97-AF65-F5344CB8AC3E}">
-        <p14:creationId xmlns:p14="http://schemas.microsoft.com/office/powerpoint/2010/main" val="1073069076"/>
+        <p14:creationId xmlns:p14="http://schemas.microsoft.com/office/powerpoint/2010/main" val="3621787786"/>
       </p:ext>
     </p:extLst>
   </p:cSld>
@@ -1137,7 +1407,7 @@
 
 <file path=ppt/slideLayouts/slideLayout4.xml><?xml version="1.0" encoding="utf-8"?>
 <p:sldLayout xmlns:a="http://schemas.openxmlformats.org/drawingml/2006/main" xmlns:r="http://schemas.openxmlformats.org/officeDocument/2006/relationships" xmlns:p="http://schemas.openxmlformats.org/presentationml/2006/main" type="twoObj" preserve="1">
-  <p:cSld name="Two Content">
+  <p:cSld name="2 つのコンテンツ">
     <p:spTree>
       <p:nvGrpSpPr>
         <p:cNvPr id="1" name=""/>
@@ -1162,186 +1432,199 @@
             <p:ph type="title"/>
           </p:nvPr>
         </p:nvSpPr>
-        <p:spPr/>
-        <p:txBody>
-          <a:bodyPr/>
-          <a:lstStyle/>
-          <a:p>
-            <a:r>
-              <a:rPr lang="en-US" smtClean="0"/>
-              <a:t>Click to edit Master title style</a:t>
-            </a:r>
-            <a:endParaRPr lang="en-US"/>
-          </a:p>
-        </p:txBody>
-      </p:sp>
-      <p:sp>
-        <p:nvSpPr>
-          <p:cNvPr id="3" name="Content Placeholder 2"/>
-          <p:cNvSpPr>
-            <a:spLocks noGrp="1"/>
-          </p:cNvSpPr>
-          <p:nvPr>
-            <p:ph sz="half" idx="1"/>
-          </p:nvPr>
-        </p:nvSpPr>
         <p:spPr>
           <a:xfrm>
-            <a:off x="457200" y="1600200"/>
-            <a:ext cx="4038600" cy="4525963"/>
+            <a:off x="1125459" y="959314"/>
+            <a:ext cx="6564015" cy="1044117"/>
           </a:xfrm>
         </p:spPr>
         <p:txBody>
           <a:bodyPr/>
-          <a:lstStyle>
-            <a:lvl1pPr>
-              <a:defRPr sz="2800"/>
-            </a:lvl1pPr>
-            <a:lvl2pPr>
-              <a:defRPr sz="2400"/>
-            </a:lvl2pPr>
-            <a:lvl3pPr>
-              <a:defRPr sz="2000"/>
-            </a:lvl3pPr>
-            <a:lvl4pPr>
-              <a:defRPr sz="1800"/>
-            </a:lvl4pPr>
-            <a:lvl5pPr>
-              <a:defRPr sz="1800"/>
-            </a:lvl5pPr>
-            <a:lvl6pPr>
-              <a:defRPr sz="1800"/>
-            </a:lvl6pPr>
-            <a:lvl7pPr>
-              <a:defRPr sz="1800"/>
-            </a:lvl7pPr>
-            <a:lvl8pPr>
-              <a:defRPr sz="1800"/>
-            </a:lvl8pPr>
-            <a:lvl9pPr>
-              <a:defRPr sz="1800"/>
-            </a:lvl9pPr>
-          </a:lstStyle>
-          <a:p>
-            <a:pPr lvl="0"/>
-            <a:r>
-              <a:rPr lang="en-US" smtClean="0"/>
-              <a:t>Click to edit Master text styles</a:t>
-            </a:r>
-          </a:p>
-          <a:p>
-            <a:pPr lvl="1"/>
-            <a:r>
-              <a:rPr lang="en-US" smtClean="0"/>
-              <a:t>Second level</a:t>
-            </a:r>
-          </a:p>
-          <a:p>
-            <a:pPr lvl="2"/>
-            <a:r>
-              <a:rPr lang="en-US" smtClean="0"/>
-              <a:t>Third level</a:t>
-            </a:r>
-          </a:p>
-          <a:p>
-            <a:pPr lvl="3"/>
-            <a:r>
-              <a:rPr lang="en-US" smtClean="0"/>
-              <a:t>Fourth level</a:t>
-            </a:r>
-          </a:p>
-          <a:p>
-            <a:pPr lvl="4"/>
-            <a:r>
-              <a:rPr lang="en-US" smtClean="0"/>
-              <a:t>Fifth level</a:t>
-            </a:r>
-            <a:endParaRPr lang="en-US"/>
-          </a:p>
-        </p:txBody>
-      </p:sp>
-      <p:sp>
-        <p:nvSpPr>
-          <p:cNvPr id="4" name="Content Placeholder 3"/>
-          <p:cNvSpPr>
-            <a:spLocks noGrp="1"/>
-          </p:cNvSpPr>
-          <p:nvPr>
-            <p:ph sz="half" idx="2"/>
+          <a:lstStyle/>
+          <a:p>
+            <a:r>
+              <a:rPr lang="ja-JP" altLang="en-US"/>
+              <a:t>マスター タイトルの書式設定</a:t>
+            </a:r>
+            <a:endParaRPr lang="en-US" dirty="0"/>
+          </a:p>
+        </p:txBody>
+      </p:sp>
+      <p:sp>
+        <p:nvSpPr>
+          <p:cNvPr id="3" name="Content Placeholder 2"/>
+          <p:cNvSpPr>
+            <a:spLocks noGrp="1"/>
+          </p:cNvSpPr>
+          <p:nvPr>
+            <p:ph sz="half" idx="1"/>
           </p:nvPr>
         </p:nvSpPr>
         <p:spPr>
           <a:xfrm>
-            <a:off x="4648200" y="1600200"/>
-            <a:ext cx="4038600" cy="4525963"/>
+            <a:off x="1125459" y="2172548"/>
+            <a:ext cx="3125871" cy="3278948"/>
           </a:xfrm>
         </p:spPr>
         <p:txBody>
           <a:bodyPr/>
-          <a:lstStyle>
-            <a:lvl1pPr>
-              <a:defRPr sz="2800"/>
-            </a:lvl1pPr>
-            <a:lvl2pPr>
-              <a:defRPr sz="2400"/>
-            </a:lvl2pPr>
-            <a:lvl3pPr>
-              <a:defRPr sz="2000"/>
-            </a:lvl3pPr>
-            <a:lvl4pPr>
-              <a:defRPr sz="1800"/>
-            </a:lvl4pPr>
-            <a:lvl5pPr>
-              <a:defRPr sz="1800"/>
-            </a:lvl5pPr>
-            <a:lvl6pPr>
-              <a:defRPr sz="1800"/>
-            </a:lvl6pPr>
-            <a:lvl7pPr>
-              <a:defRPr sz="1800"/>
-            </a:lvl7pPr>
-            <a:lvl8pPr>
-              <a:defRPr sz="1800"/>
-            </a:lvl8pPr>
-            <a:lvl9pPr>
-              <a:defRPr sz="1800"/>
-            </a:lvl9pPr>
-          </a:lstStyle>
+          <a:lstStyle/>
           <a:p>
             <a:pPr lvl="0"/>
             <a:r>
-              <a:rPr lang="en-US" smtClean="0"/>
-              <a:t>Click to edit Master text styles</a:t>
+              <a:rPr lang="ja-JP" altLang="en-US"/>
+              <a:t>マスター テキストの書式設定</a:t>
             </a:r>
           </a:p>
           <a:p>
             <a:pPr lvl="1"/>
             <a:r>
-              <a:rPr lang="en-US" smtClean="0"/>
-              <a:t>Second level</a:t>
+              <a:rPr lang="ja-JP" altLang="en-US"/>
+              <a:t>第 </a:t>
+            </a:r>
+            <a:r>
+              <a:rPr lang="en-US" altLang="ja-JP"/>
+              <a:t>2 </a:t>
+            </a:r>
+            <a:r>
+              <a:rPr lang="ja-JP" altLang="en-US"/>
+              <a:t>レベル</a:t>
             </a:r>
           </a:p>
           <a:p>
             <a:pPr lvl="2"/>
             <a:r>
-              <a:rPr lang="en-US" smtClean="0"/>
-              <a:t>Third level</a:t>
+              <a:rPr lang="ja-JP" altLang="en-US"/>
+              <a:t>第 </a:t>
+            </a:r>
+            <a:r>
+              <a:rPr lang="en-US" altLang="ja-JP"/>
+              <a:t>3 </a:t>
+            </a:r>
+            <a:r>
+              <a:rPr lang="ja-JP" altLang="en-US"/>
+              <a:t>レベル</a:t>
             </a:r>
           </a:p>
           <a:p>
             <a:pPr lvl="3"/>
             <a:r>
-              <a:rPr lang="en-US" smtClean="0"/>
-              <a:t>Fourth level</a:t>
+              <a:rPr lang="ja-JP" altLang="en-US"/>
+              <a:t>第 </a:t>
+            </a:r>
+            <a:r>
+              <a:rPr lang="en-US" altLang="ja-JP"/>
+              <a:t>4 </a:t>
+            </a:r>
+            <a:r>
+              <a:rPr lang="ja-JP" altLang="en-US"/>
+              <a:t>レベル</a:t>
             </a:r>
           </a:p>
           <a:p>
             <a:pPr lvl="4"/>
             <a:r>
-              <a:rPr lang="en-US" smtClean="0"/>
-              <a:t>Fifth level</a:t>
-            </a:r>
-            <a:endParaRPr lang="en-US"/>
+              <a:rPr lang="ja-JP" altLang="en-US"/>
+              <a:t>第 </a:t>
+            </a:r>
+            <a:r>
+              <a:rPr lang="en-US" altLang="ja-JP"/>
+              <a:t>5 </a:t>
+            </a:r>
+            <a:r>
+              <a:rPr lang="ja-JP" altLang="en-US"/>
+              <a:t>レベル</a:t>
+            </a:r>
+            <a:endParaRPr lang="en-US" dirty="0"/>
+          </a:p>
+        </p:txBody>
+      </p:sp>
+      <p:sp>
+        <p:nvSpPr>
+          <p:cNvPr id="4" name="Content Placeholder 3"/>
+          <p:cNvSpPr>
+            <a:spLocks noGrp="1"/>
+          </p:cNvSpPr>
+          <p:nvPr>
+            <p:ph sz="half" idx="2"/>
+          </p:nvPr>
+        </p:nvSpPr>
+        <p:spPr>
+          <a:xfrm>
+            <a:off x="4563822" y="2172548"/>
+            <a:ext cx="3125652" cy="3278947"/>
+          </a:xfrm>
+        </p:spPr>
+        <p:txBody>
+          <a:bodyPr/>
+          <a:lstStyle/>
+          <a:p>
+            <a:pPr lvl="0"/>
+            <a:r>
+              <a:rPr lang="ja-JP" altLang="en-US"/>
+              <a:t>マスター テキストの書式設定</a:t>
+            </a:r>
+          </a:p>
+          <a:p>
+            <a:pPr lvl="1"/>
+            <a:r>
+              <a:rPr lang="ja-JP" altLang="en-US"/>
+              <a:t>第 </a:t>
+            </a:r>
+            <a:r>
+              <a:rPr lang="en-US" altLang="ja-JP"/>
+              <a:t>2 </a:t>
+            </a:r>
+            <a:r>
+              <a:rPr lang="ja-JP" altLang="en-US"/>
+              <a:t>レベル</a:t>
+            </a:r>
+          </a:p>
+          <a:p>
+            <a:pPr lvl="2"/>
+            <a:r>
+              <a:rPr lang="ja-JP" altLang="en-US"/>
+              <a:t>第 </a:t>
+            </a:r>
+            <a:r>
+              <a:rPr lang="en-US" altLang="ja-JP"/>
+              <a:t>3 </a:t>
+            </a:r>
+            <a:r>
+              <a:rPr lang="ja-JP" altLang="en-US"/>
+              <a:t>レベル</a:t>
+            </a:r>
+          </a:p>
+          <a:p>
+            <a:pPr lvl="3"/>
+            <a:r>
+              <a:rPr lang="ja-JP" altLang="en-US"/>
+              <a:t>第 </a:t>
+            </a:r>
+            <a:r>
+              <a:rPr lang="en-US" altLang="ja-JP"/>
+              <a:t>4 </a:t>
+            </a:r>
+            <a:r>
+              <a:rPr lang="ja-JP" altLang="en-US"/>
+              <a:t>レベル</a:t>
+            </a:r>
+          </a:p>
+          <a:p>
+            <a:pPr lvl="4"/>
+            <a:r>
+              <a:rPr lang="ja-JP" altLang="en-US"/>
+              <a:t>第 </a:t>
+            </a:r>
+            <a:r>
+              <a:rPr lang="en-US" altLang="ja-JP"/>
+              <a:t>5 </a:t>
+            </a:r>
+            <a:r>
+              <a:rPr lang="ja-JP" altLang="en-US"/>
+              <a:t>レベル</a:t>
+            </a:r>
+            <a:endParaRPr lang="en-US" dirty="0"/>
           </a:p>
         </p:txBody>
       </p:sp>
@@ -1362,7 +1645,7 @@
           <a:p>
             <a:fld id="{241EB5C9-1307-BA42-ABA2-0BC069CD8E7F}" type="datetimeFigureOut">
               <a:rPr lang="en-US" smtClean="0"/>
-              <a:t>4/5/2019</a:t>
+              <a:t>1/22/20</a:t>
             </a:fld>
             <a:endParaRPr lang="en-US"/>
           </a:p>
@@ -1410,10 +1693,50 @@
           </a:p>
         </p:txBody>
       </p:sp>
+      <p:pic>
+        <p:nvPicPr>
+          <p:cNvPr id="16" name="Picture 15" descr="RedHashing.emf"/>
+          <p:cNvPicPr>
+            <a:picLocks/>
+          </p:cNvPicPr>
+          <p:nvPr/>
+        </p:nvPicPr>
+        <p:blipFill rotWithShape="1">
+          <a:blip r:embed="rId2">
+            <a:duotone>
+              <a:schemeClr val="accent1">
+                <a:shade val="45000"/>
+                <a:satMod val="135000"/>
+              </a:schemeClr>
+              <a:prstClr val="white"/>
+            </a:duotone>
+            <a:extLst>
+              <a:ext uri="{28A0092B-C50C-407E-A947-70E740481C1C}">
+                <a14:useLocalDpi xmlns:a14="http://schemas.microsoft.com/office/drawing/2010/main" val="0"/>
+              </a:ext>
+            </a:extLst>
+          </a:blip>
+          <a:srcRect l="-116" r="42454" b="36435"/>
+          <a:stretch/>
+        </p:blipFill>
+        <p:spPr>
+          <a:xfrm>
+            <a:off x="1125460" y="643464"/>
+            <a:ext cx="6574536" cy="155448"/>
+          </a:xfrm>
+          <a:prstGeom prst="rect">
+            <a:avLst/>
+          </a:prstGeom>
+          <a:noFill/>
+          <a:ln>
+            <a:noFill/>
+          </a:ln>
+        </p:spPr>
+      </p:pic>
     </p:spTree>
     <p:extLst>
       <p:ext uri="{BB962C8B-B14F-4D97-AF65-F5344CB8AC3E}">
-        <p14:creationId xmlns:p14="http://schemas.microsoft.com/office/powerpoint/2010/main" val="2619886245"/>
+        <p14:creationId xmlns:p14="http://schemas.microsoft.com/office/powerpoint/2010/main" val="1513644550"/>
       </p:ext>
     </p:extLst>
   </p:cSld>
@@ -1425,7 +1748,7 @@
 
 <file path=ppt/slideLayouts/slideLayout5.xml><?xml version="1.0" encoding="utf-8"?>
 <p:sldLayout xmlns:a="http://schemas.openxmlformats.org/drawingml/2006/main" xmlns:r="http://schemas.openxmlformats.org/officeDocument/2006/relationships" xmlns:p="http://schemas.openxmlformats.org/presentationml/2006/main" type="twoTxTwoObj" preserve="1">
-  <p:cSld name="Comparison">
+  <p:cSld name="比較">
     <p:spTree>
       <p:nvGrpSpPr>
         <p:cNvPr id="1" name=""/>
@@ -1450,84 +1773,94 @@
             <p:ph type="title"/>
           </p:nvPr>
         </p:nvSpPr>
-        <p:spPr/>
-        <p:txBody>
-          <a:bodyPr/>
-          <a:lstStyle>
-            <a:lvl1pPr>
-              <a:defRPr/>
-            </a:lvl1pPr>
-          </a:lstStyle>
-          <a:p>
-            <a:r>
-              <a:rPr lang="en-US" smtClean="0"/>
-              <a:t>Click to edit Master title style</a:t>
-            </a:r>
-            <a:endParaRPr lang="en-US"/>
-          </a:p>
-        </p:txBody>
-      </p:sp>
-      <p:sp>
-        <p:nvSpPr>
-          <p:cNvPr id="3" name="Text Placeholder 2"/>
-          <p:cNvSpPr>
-            <a:spLocks noGrp="1"/>
-          </p:cNvSpPr>
-          <p:nvPr>
-            <p:ph type="body" idx="1"/>
-          </p:nvPr>
-        </p:nvSpPr>
         <p:spPr>
           <a:xfrm>
-            <a:off x="457200" y="1535113"/>
-            <a:ext cx="4040188" cy="639762"/>
+            <a:off x="1128652" y="959903"/>
+            <a:ext cx="6571344" cy="1044600"/>
           </a:xfrm>
         </p:spPr>
         <p:txBody>
-          <a:bodyPr anchor="b"/>
+          <a:bodyPr/>
+          <a:lstStyle/>
+          <a:p>
+            <a:r>
+              <a:rPr lang="ja-JP" altLang="en-US"/>
+              <a:t>マスター タイトルの書式設定</a:t>
+            </a:r>
+            <a:endParaRPr lang="en-US" dirty="0"/>
+          </a:p>
+        </p:txBody>
+      </p:sp>
+      <p:sp>
+        <p:nvSpPr>
+          <p:cNvPr id="3" name="Text Placeholder 2"/>
+          <p:cNvSpPr>
+            <a:spLocks noGrp="1"/>
+          </p:cNvSpPr>
+          <p:nvPr>
+            <p:ph type="body" idx="1"/>
+          </p:nvPr>
+        </p:nvSpPr>
+        <p:spPr>
+          <a:xfrm>
+            <a:off x="1118131" y="2169094"/>
+            <a:ext cx="3125766" cy="801943"/>
+          </a:xfrm>
+        </p:spPr>
+        <p:txBody>
+          <a:bodyPr anchor="b">
+            <a:normAutofit/>
+          </a:bodyPr>
           <a:lstStyle>
             <a:lvl1pPr marL="0" indent="0">
-              <a:buNone/>
-              <a:defRPr sz="2400" b="1"/>
+              <a:lnSpc>
+                <a:spcPct val="100000"/>
+              </a:lnSpc>
+              <a:buNone/>
+              <a:defRPr sz="2200" b="0" cap="none" baseline="0">
+                <a:solidFill>
+                  <a:schemeClr val="accent1"/>
+                </a:solidFill>
+              </a:defRPr>
             </a:lvl1pPr>
-            <a:lvl2pPr marL="457200" indent="0">
-              <a:buNone/>
-              <a:defRPr sz="2000" b="1"/>
+            <a:lvl2pPr marL="342900" indent="0">
+              <a:buNone/>
+              <a:defRPr sz="1500" b="1"/>
             </a:lvl2pPr>
-            <a:lvl3pPr marL="914400" indent="0">
-              <a:buNone/>
-              <a:defRPr sz="1800" b="1"/>
+            <a:lvl3pPr marL="685800" indent="0">
+              <a:buNone/>
+              <a:defRPr sz="1350" b="1"/>
             </a:lvl3pPr>
-            <a:lvl4pPr marL="1371600" indent="0">
-              <a:buNone/>
-              <a:defRPr sz="1600" b="1"/>
+            <a:lvl4pPr marL="1028700" indent="0">
+              <a:buNone/>
+              <a:defRPr sz="1200" b="1"/>
             </a:lvl4pPr>
-            <a:lvl5pPr marL="1828800" indent="0">
-              <a:buNone/>
-              <a:defRPr sz="1600" b="1"/>
+            <a:lvl5pPr marL="1371600" indent="0">
+              <a:buNone/>
+              <a:defRPr sz="1200" b="1"/>
             </a:lvl5pPr>
-            <a:lvl6pPr marL="2286000" indent="0">
-              <a:buNone/>
-              <a:defRPr sz="1600" b="1"/>
+            <a:lvl6pPr marL="1714500" indent="0">
+              <a:buNone/>
+              <a:defRPr sz="1200" b="1"/>
             </a:lvl6pPr>
-            <a:lvl7pPr marL="2743200" indent="0">
-              <a:buNone/>
-              <a:defRPr sz="1600" b="1"/>
+            <a:lvl7pPr marL="2057400" indent="0">
+              <a:buNone/>
+              <a:defRPr sz="1200" b="1"/>
             </a:lvl7pPr>
-            <a:lvl8pPr marL="3200400" indent="0">
-              <a:buNone/>
-              <a:defRPr sz="1600" b="1"/>
+            <a:lvl8pPr marL="2400300" indent="0">
+              <a:buNone/>
+              <a:defRPr sz="1200" b="1"/>
             </a:lvl8pPr>
-            <a:lvl9pPr marL="3657600" indent="0">
-              <a:buNone/>
-              <a:defRPr sz="1600" b="1"/>
+            <a:lvl9pPr marL="2743200" indent="0">
+              <a:buNone/>
+              <a:defRPr sz="1200" b="1"/>
             </a:lvl9pPr>
           </a:lstStyle>
           <a:p>
             <a:pPr lvl="0"/>
             <a:r>
-              <a:rPr lang="en-US" smtClean="0"/>
-              <a:t>Click to edit Master text styles</a:t>
+              <a:rPr lang="ja-JP" altLang="en-US"/>
+              <a:t>マスター テキストの書式設定</a:t>
             </a:r>
           </a:p>
         </p:txBody>
@@ -1544,226 +1877,243 @@
         </p:nvSpPr>
         <p:spPr>
           <a:xfrm>
-            <a:off x="457200" y="2174875"/>
-            <a:ext cx="4040188" cy="3951288"/>
+            <a:off x="1118131" y="2973815"/>
+            <a:ext cx="3125766" cy="2491662"/>
           </a:xfrm>
         </p:spPr>
         <p:txBody>
           <a:bodyPr/>
+          <a:lstStyle/>
+          <a:p>
+            <a:pPr lvl="0"/>
+            <a:r>
+              <a:rPr lang="ja-JP" altLang="en-US"/>
+              <a:t>マスター テキストの書式設定</a:t>
+            </a:r>
+          </a:p>
+          <a:p>
+            <a:pPr lvl="1"/>
+            <a:r>
+              <a:rPr lang="ja-JP" altLang="en-US"/>
+              <a:t>第 </a:t>
+            </a:r>
+            <a:r>
+              <a:rPr lang="en-US" altLang="ja-JP"/>
+              <a:t>2 </a:t>
+            </a:r>
+            <a:r>
+              <a:rPr lang="ja-JP" altLang="en-US"/>
+              <a:t>レベル</a:t>
+            </a:r>
+          </a:p>
+          <a:p>
+            <a:pPr lvl="2"/>
+            <a:r>
+              <a:rPr lang="ja-JP" altLang="en-US"/>
+              <a:t>第 </a:t>
+            </a:r>
+            <a:r>
+              <a:rPr lang="en-US" altLang="ja-JP"/>
+              <a:t>3 </a:t>
+            </a:r>
+            <a:r>
+              <a:rPr lang="ja-JP" altLang="en-US"/>
+              <a:t>レベル</a:t>
+            </a:r>
+          </a:p>
+          <a:p>
+            <a:pPr lvl="3"/>
+            <a:r>
+              <a:rPr lang="ja-JP" altLang="en-US"/>
+              <a:t>第 </a:t>
+            </a:r>
+            <a:r>
+              <a:rPr lang="en-US" altLang="ja-JP"/>
+              <a:t>4 </a:t>
+            </a:r>
+            <a:r>
+              <a:rPr lang="ja-JP" altLang="en-US"/>
+              <a:t>レベル</a:t>
+            </a:r>
+          </a:p>
+          <a:p>
+            <a:pPr lvl="4"/>
+            <a:r>
+              <a:rPr lang="ja-JP" altLang="en-US"/>
+              <a:t>第 </a:t>
+            </a:r>
+            <a:r>
+              <a:rPr lang="en-US" altLang="ja-JP"/>
+              <a:t>5 </a:t>
+            </a:r>
+            <a:r>
+              <a:rPr lang="ja-JP" altLang="en-US"/>
+              <a:t>レベル</a:t>
+            </a:r>
+            <a:endParaRPr lang="en-US" dirty="0"/>
+          </a:p>
+        </p:txBody>
+      </p:sp>
+      <p:sp>
+        <p:nvSpPr>
+          <p:cNvPr id="5" name="Text Placeholder 4"/>
+          <p:cNvSpPr>
+            <a:spLocks noGrp="1"/>
+          </p:cNvSpPr>
+          <p:nvPr>
+            <p:ph type="body" sz="quarter" idx="3"/>
+          </p:nvPr>
+        </p:nvSpPr>
+        <p:spPr>
+          <a:xfrm>
+            <a:off x="4563822" y="2172548"/>
+            <a:ext cx="3125652" cy="802237"/>
+          </a:xfrm>
+        </p:spPr>
+        <p:txBody>
+          <a:bodyPr anchor="b">
+            <a:normAutofit/>
+          </a:bodyPr>
           <a:lstStyle>
-            <a:lvl1pPr>
-              <a:defRPr sz="2400"/>
+            <a:lvl1pPr marL="0" indent="0">
+              <a:lnSpc>
+                <a:spcPct val="100000"/>
+              </a:lnSpc>
+              <a:buNone/>
+              <a:defRPr sz="2200" b="0" cap="none" baseline="0">
+                <a:solidFill>
+                  <a:schemeClr val="accent1"/>
+                </a:solidFill>
+              </a:defRPr>
             </a:lvl1pPr>
-            <a:lvl2pPr>
-              <a:defRPr sz="2000"/>
+            <a:lvl2pPr marL="342900" indent="0">
+              <a:buNone/>
+              <a:defRPr sz="1500" b="1"/>
             </a:lvl2pPr>
-            <a:lvl3pPr>
-              <a:defRPr sz="1800"/>
+            <a:lvl3pPr marL="685800" indent="0">
+              <a:buNone/>
+              <a:defRPr sz="1350" b="1"/>
             </a:lvl3pPr>
-            <a:lvl4pPr>
-              <a:defRPr sz="1600"/>
+            <a:lvl4pPr marL="1028700" indent="0">
+              <a:buNone/>
+              <a:defRPr sz="1200" b="1"/>
             </a:lvl4pPr>
-            <a:lvl5pPr>
-              <a:defRPr sz="1600"/>
+            <a:lvl5pPr marL="1371600" indent="0">
+              <a:buNone/>
+              <a:defRPr sz="1200" b="1"/>
             </a:lvl5pPr>
-            <a:lvl6pPr>
-              <a:defRPr sz="1600"/>
+            <a:lvl6pPr marL="1714500" indent="0">
+              <a:buNone/>
+              <a:defRPr sz="1200" b="1"/>
             </a:lvl6pPr>
-            <a:lvl7pPr>
-              <a:defRPr sz="1600"/>
+            <a:lvl7pPr marL="2057400" indent="0">
+              <a:buNone/>
+              <a:defRPr sz="1200" b="1"/>
             </a:lvl7pPr>
-            <a:lvl8pPr>
-              <a:defRPr sz="1600"/>
+            <a:lvl8pPr marL="2400300" indent="0">
+              <a:buNone/>
+              <a:defRPr sz="1200" b="1"/>
             </a:lvl8pPr>
-            <a:lvl9pPr>
-              <a:defRPr sz="1600"/>
+            <a:lvl9pPr marL="2743200" indent="0">
+              <a:buNone/>
+              <a:defRPr sz="1200" b="1"/>
             </a:lvl9pPr>
           </a:lstStyle>
           <a:p>
             <a:pPr lvl="0"/>
             <a:r>
-              <a:rPr lang="en-US" smtClean="0"/>
-              <a:t>Click to edit Master text styles</a:t>
-            </a:r>
-          </a:p>
-          <a:p>
-            <a:pPr lvl="1"/>
-            <a:r>
-              <a:rPr lang="en-US" smtClean="0"/>
-              <a:t>Second level</a:t>
-            </a:r>
-          </a:p>
-          <a:p>
-            <a:pPr lvl="2"/>
-            <a:r>
-              <a:rPr lang="en-US" smtClean="0"/>
-              <a:t>Third level</a:t>
-            </a:r>
-          </a:p>
-          <a:p>
-            <a:pPr lvl="3"/>
-            <a:r>
-              <a:rPr lang="en-US" smtClean="0"/>
-              <a:t>Fourth level</a:t>
-            </a:r>
-          </a:p>
-          <a:p>
-            <a:pPr lvl="4"/>
-            <a:r>
-              <a:rPr lang="en-US" smtClean="0"/>
-              <a:t>Fifth level</a:t>
-            </a:r>
-            <a:endParaRPr lang="en-US"/>
-          </a:p>
-        </p:txBody>
-      </p:sp>
-      <p:sp>
-        <p:nvSpPr>
-          <p:cNvPr id="5" name="Text Placeholder 4"/>
-          <p:cNvSpPr>
-            <a:spLocks noGrp="1"/>
-          </p:cNvSpPr>
-          <p:nvPr>
-            <p:ph type="body" sz="quarter" idx="3"/>
+              <a:rPr lang="ja-JP" altLang="en-US"/>
+              <a:t>マスター テキストの書式設定</a:t>
+            </a:r>
+          </a:p>
+        </p:txBody>
+      </p:sp>
+      <p:sp>
+        <p:nvSpPr>
+          <p:cNvPr id="6" name="Content Placeholder 5"/>
+          <p:cNvSpPr>
+            <a:spLocks noGrp="1"/>
+          </p:cNvSpPr>
+          <p:nvPr>
+            <p:ph sz="quarter" idx="4"/>
           </p:nvPr>
         </p:nvSpPr>
         <p:spPr>
           <a:xfrm>
-            <a:off x="4645025" y="1535113"/>
-            <a:ext cx="4041775" cy="639762"/>
+            <a:off x="4563822" y="2971035"/>
+            <a:ext cx="3125652" cy="2484985"/>
           </a:xfrm>
         </p:spPr>
         <p:txBody>
-          <a:bodyPr anchor="b"/>
-          <a:lstStyle>
-            <a:lvl1pPr marL="0" indent="0">
-              <a:buNone/>
-              <a:defRPr sz="2400" b="1"/>
-            </a:lvl1pPr>
-            <a:lvl2pPr marL="457200" indent="0">
-              <a:buNone/>
-              <a:defRPr sz="2000" b="1"/>
-            </a:lvl2pPr>
-            <a:lvl3pPr marL="914400" indent="0">
-              <a:buNone/>
-              <a:defRPr sz="1800" b="1"/>
-            </a:lvl3pPr>
-            <a:lvl4pPr marL="1371600" indent="0">
-              <a:buNone/>
-              <a:defRPr sz="1600" b="1"/>
-            </a:lvl4pPr>
-            <a:lvl5pPr marL="1828800" indent="0">
-              <a:buNone/>
-              <a:defRPr sz="1600" b="1"/>
-            </a:lvl5pPr>
-            <a:lvl6pPr marL="2286000" indent="0">
-              <a:buNone/>
-              <a:defRPr sz="1600" b="1"/>
-            </a:lvl6pPr>
-            <a:lvl7pPr marL="2743200" indent="0">
-              <a:buNone/>
-              <a:defRPr sz="1600" b="1"/>
-            </a:lvl7pPr>
-            <a:lvl8pPr marL="3200400" indent="0">
-              <a:buNone/>
-              <a:defRPr sz="1600" b="1"/>
-            </a:lvl8pPr>
-            <a:lvl9pPr marL="3657600" indent="0">
-              <a:buNone/>
-              <a:defRPr sz="1600" b="1"/>
-            </a:lvl9pPr>
-          </a:lstStyle>
+          <a:bodyPr/>
+          <a:lstStyle/>
           <a:p>
             <a:pPr lvl="0"/>
             <a:r>
-              <a:rPr lang="en-US" smtClean="0"/>
-              <a:t>Click to edit Master text styles</a:t>
-            </a:r>
-          </a:p>
-        </p:txBody>
-      </p:sp>
-      <p:sp>
-        <p:nvSpPr>
-          <p:cNvPr id="6" name="Content Placeholder 5"/>
-          <p:cNvSpPr>
-            <a:spLocks noGrp="1"/>
-          </p:cNvSpPr>
-          <p:nvPr>
-            <p:ph sz="quarter" idx="4"/>
-          </p:nvPr>
-        </p:nvSpPr>
-        <p:spPr>
-          <a:xfrm>
-            <a:off x="4645025" y="2174875"/>
-            <a:ext cx="4041775" cy="3951288"/>
-          </a:xfrm>
-        </p:spPr>
-        <p:txBody>
-          <a:bodyPr/>
-          <a:lstStyle>
-            <a:lvl1pPr>
-              <a:defRPr sz="2400"/>
-            </a:lvl1pPr>
-            <a:lvl2pPr>
-              <a:defRPr sz="2000"/>
-            </a:lvl2pPr>
-            <a:lvl3pPr>
-              <a:defRPr sz="1800"/>
-            </a:lvl3pPr>
-            <a:lvl4pPr>
-              <a:defRPr sz="1600"/>
-            </a:lvl4pPr>
-            <a:lvl5pPr>
-              <a:defRPr sz="1600"/>
-            </a:lvl5pPr>
-            <a:lvl6pPr>
-              <a:defRPr sz="1600"/>
-            </a:lvl6pPr>
-            <a:lvl7pPr>
-              <a:defRPr sz="1600"/>
-            </a:lvl7pPr>
-            <a:lvl8pPr>
-              <a:defRPr sz="1600"/>
-            </a:lvl8pPr>
-            <a:lvl9pPr>
-              <a:defRPr sz="1600"/>
-            </a:lvl9pPr>
-          </a:lstStyle>
-          <a:p>
-            <a:pPr lvl="0"/>
-            <a:r>
-              <a:rPr lang="en-US" smtClean="0"/>
-              <a:t>Click to edit Master text styles</a:t>
+              <a:rPr lang="ja-JP" altLang="en-US"/>
+              <a:t>マスター テキストの書式設定</a:t>
             </a:r>
           </a:p>
           <a:p>
             <a:pPr lvl="1"/>
             <a:r>
-              <a:rPr lang="en-US" smtClean="0"/>
-              <a:t>Second level</a:t>
+              <a:rPr lang="ja-JP" altLang="en-US"/>
+              <a:t>第 </a:t>
+            </a:r>
+            <a:r>
+              <a:rPr lang="en-US" altLang="ja-JP"/>
+              <a:t>2 </a:t>
+            </a:r>
+            <a:r>
+              <a:rPr lang="ja-JP" altLang="en-US"/>
+              <a:t>レベル</a:t>
             </a:r>
           </a:p>
           <a:p>
             <a:pPr lvl="2"/>
             <a:r>
-              <a:rPr lang="en-US" smtClean="0"/>
-              <a:t>Third level</a:t>
+              <a:rPr lang="ja-JP" altLang="en-US"/>
+              <a:t>第 </a:t>
+            </a:r>
+            <a:r>
+              <a:rPr lang="en-US" altLang="ja-JP"/>
+              <a:t>3 </a:t>
+            </a:r>
+            <a:r>
+              <a:rPr lang="ja-JP" altLang="en-US"/>
+              <a:t>レベル</a:t>
             </a:r>
           </a:p>
           <a:p>
             <a:pPr lvl="3"/>
             <a:r>
-              <a:rPr lang="en-US" smtClean="0"/>
-              <a:t>Fourth level</a:t>
+              <a:rPr lang="ja-JP" altLang="en-US"/>
+              <a:t>第 </a:t>
+            </a:r>
+            <a:r>
+              <a:rPr lang="en-US" altLang="ja-JP"/>
+              <a:t>4 </a:t>
+            </a:r>
+            <a:r>
+              <a:rPr lang="ja-JP" altLang="en-US"/>
+              <a:t>レベル</a:t>
             </a:r>
           </a:p>
           <a:p>
             <a:pPr lvl="4"/>
             <a:r>
-              <a:rPr lang="en-US" smtClean="0"/>
-              <a:t>Fifth level</a:t>
-            </a:r>
-            <a:endParaRPr lang="en-US"/>
+              <a:rPr lang="ja-JP" altLang="en-US"/>
+              <a:t>第 </a:t>
+            </a:r>
+            <a:r>
+              <a:rPr lang="en-US" altLang="ja-JP"/>
+              <a:t>5 </a:t>
+            </a:r>
+            <a:r>
+              <a:rPr lang="ja-JP" altLang="en-US"/>
+              <a:t>レベル</a:t>
+            </a:r>
+            <a:endParaRPr lang="en-US" dirty="0"/>
           </a:p>
         </p:txBody>
       </p:sp>
@@ -1784,7 +2134,7 @@
           <a:p>
             <a:fld id="{241EB5C9-1307-BA42-ABA2-0BC069CD8E7F}" type="datetimeFigureOut">
               <a:rPr lang="en-US" smtClean="0"/>
-              <a:t>4/5/2019</a:t>
+              <a:t>1/22/20</a:t>
             </a:fld>
             <a:endParaRPr lang="en-US"/>
           </a:p>
@@ -1832,10 +2182,50 @@
           </a:p>
         </p:txBody>
       </p:sp>
+      <p:pic>
+        <p:nvPicPr>
+          <p:cNvPr id="18" name="Picture 17" descr="RedHashing.emf"/>
+          <p:cNvPicPr>
+            <a:picLocks/>
+          </p:cNvPicPr>
+          <p:nvPr/>
+        </p:nvPicPr>
+        <p:blipFill rotWithShape="1">
+          <a:blip r:embed="rId2">
+            <a:duotone>
+              <a:schemeClr val="accent1">
+                <a:shade val="45000"/>
+                <a:satMod val="135000"/>
+              </a:schemeClr>
+              <a:prstClr val="white"/>
+            </a:duotone>
+            <a:extLst>
+              <a:ext uri="{28A0092B-C50C-407E-A947-70E740481C1C}">
+                <a14:useLocalDpi xmlns:a14="http://schemas.microsoft.com/office/drawing/2010/main" val="0"/>
+              </a:ext>
+            </a:extLst>
+          </a:blip>
+          <a:srcRect l="-116" r="42454" b="36435"/>
+          <a:stretch/>
+        </p:blipFill>
+        <p:spPr>
+          <a:xfrm>
+            <a:off x="1125460" y="643464"/>
+            <a:ext cx="6574536" cy="155448"/>
+          </a:xfrm>
+          <a:prstGeom prst="rect">
+            <a:avLst/>
+          </a:prstGeom>
+          <a:noFill/>
+          <a:ln>
+            <a:noFill/>
+          </a:ln>
+        </p:spPr>
+      </p:pic>
     </p:spTree>
     <p:extLst>
       <p:ext uri="{BB962C8B-B14F-4D97-AF65-F5344CB8AC3E}">
-        <p14:creationId xmlns:p14="http://schemas.microsoft.com/office/powerpoint/2010/main" val="2535793967"/>
+        <p14:creationId xmlns:p14="http://schemas.microsoft.com/office/powerpoint/2010/main" val="1482100450"/>
       </p:ext>
     </p:extLst>
   </p:cSld>
@@ -1847,7 +2237,7 @@
 
 <file path=ppt/slideLayouts/slideLayout6.xml><?xml version="1.0" encoding="utf-8"?>
 <p:sldLayout xmlns:a="http://schemas.openxmlformats.org/drawingml/2006/main" xmlns:r="http://schemas.openxmlformats.org/officeDocument/2006/relationships" xmlns:p="http://schemas.openxmlformats.org/presentationml/2006/main" type="titleOnly" preserve="1">
-  <p:cSld name="Title Only">
+  <p:cSld name="タイトルのみ">
     <p:spTree>
       <p:nvGrpSpPr>
         <p:cNvPr id="1" name=""/>
@@ -1878,10 +2268,10 @@
           <a:lstStyle/>
           <a:p>
             <a:r>
-              <a:rPr lang="en-US" smtClean="0"/>
-              <a:t>Click to edit Master title style</a:t>
-            </a:r>
-            <a:endParaRPr lang="en-US"/>
+              <a:rPr lang="ja-JP" altLang="en-US"/>
+              <a:t>マスター タイトルの書式設定</a:t>
+            </a:r>
+            <a:endParaRPr lang="en-US" dirty="0"/>
           </a:p>
         </p:txBody>
       </p:sp>
@@ -1902,7 +2292,7 @@
           <a:p>
             <a:fld id="{241EB5C9-1307-BA42-ABA2-0BC069CD8E7F}" type="datetimeFigureOut">
               <a:rPr lang="en-US" smtClean="0"/>
-              <a:t>4/5/2019</a:t>
+              <a:t>1/22/20</a:t>
             </a:fld>
             <a:endParaRPr lang="en-US"/>
           </a:p>
@@ -1950,10 +2340,50 @@
           </a:p>
         </p:txBody>
       </p:sp>
+      <p:pic>
+        <p:nvPicPr>
+          <p:cNvPr id="14" name="Picture 13" descr="RedHashing.emf"/>
+          <p:cNvPicPr>
+            <a:picLocks/>
+          </p:cNvPicPr>
+          <p:nvPr/>
+        </p:nvPicPr>
+        <p:blipFill rotWithShape="1">
+          <a:blip r:embed="rId2">
+            <a:duotone>
+              <a:schemeClr val="accent1">
+                <a:shade val="45000"/>
+                <a:satMod val="135000"/>
+              </a:schemeClr>
+              <a:prstClr val="white"/>
+            </a:duotone>
+            <a:extLst>
+              <a:ext uri="{28A0092B-C50C-407E-A947-70E740481C1C}">
+                <a14:useLocalDpi xmlns:a14="http://schemas.microsoft.com/office/drawing/2010/main" val="0"/>
+              </a:ext>
+            </a:extLst>
+          </a:blip>
+          <a:srcRect l="-116" r="42454" b="36435"/>
+          <a:stretch/>
+        </p:blipFill>
+        <p:spPr>
+          <a:xfrm>
+            <a:off x="1125460" y="643464"/>
+            <a:ext cx="6574536" cy="155448"/>
+          </a:xfrm>
+          <a:prstGeom prst="rect">
+            <a:avLst/>
+          </a:prstGeom>
+          <a:noFill/>
+          <a:ln>
+            <a:noFill/>
+          </a:ln>
+        </p:spPr>
+      </p:pic>
     </p:spTree>
     <p:extLst>
       <p:ext uri="{BB962C8B-B14F-4D97-AF65-F5344CB8AC3E}">
-        <p14:creationId xmlns:p14="http://schemas.microsoft.com/office/powerpoint/2010/main" val="3472721253"/>
+        <p14:creationId xmlns:p14="http://schemas.microsoft.com/office/powerpoint/2010/main" val="1014891175"/>
       </p:ext>
     </p:extLst>
   </p:cSld>
@@ -1965,7 +2395,7 @@
 
 <file path=ppt/slideLayouts/slideLayout7.xml><?xml version="1.0" encoding="utf-8"?>
 <p:sldLayout xmlns:a="http://schemas.openxmlformats.org/drawingml/2006/main" xmlns:r="http://schemas.openxmlformats.org/officeDocument/2006/relationships" xmlns:p="http://schemas.openxmlformats.org/presentationml/2006/main" type="blank" preserve="1">
-  <p:cSld name="Blank">
+  <p:cSld name="白紙">
     <p:spTree>
       <p:nvGrpSpPr>
         <p:cNvPr id="1" name=""/>
@@ -1997,7 +2427,7 @@
           <a:p>
             <a:fld id="{241EB5C9-1307-BA42-ABA2-0BC069CD8E7F}" type="datetimeFigureOut">
               <a:rPr lang="en-US" smtClean="0"/>
-              <a:t>4/5/2019</a:t>
+              <a:t>1/22/20</a:t>
             </a:fld>
             <a:endParaRPr lang="en-US"/>
           </a:p>
@@ -2048,7 +2478,7 @@
     </p:spTree>
     <p:extLst>
       <p:ext uri="{BB962C8B-B14F-4D97-AF65-F5344CB8AC3E}">
-        <p14:creationId xmlns:p14="http://schemas.microsoft.com/office/powerpoint/2010/main" val="2130901097"/>
+        <p14:creationId xmlns:p14="http://schemas.microsoft.com/office/powerpoint/2010/main" val="703182884"/>
       </p:ext>
     </p:extLst>
   </p:cSld>
@@ -2060,7 +2490,7 @@
 
 <file path=ppt/slideLayouts/slideLayout8.xml><?xml version="1.0" encoding="utf-8"?>
 <p:sldLayout xmlns:a="http://schemas.openxmlformats.org/drawingml/2006/main" xmlns:r="http://schemas.openxmlformats.org/officeDocument/2006/relationships" xmlns:p="http://schemas.openxmlformats.org/presentationml/2006/main" type="objTx" preserve="1">
-  <p:cSld name="Content with Caption">
+  <p:cSld name="タイトル付きのコンテンツ">
     <p:spTree>
       <p:nvGrpSpPr>
         <p:cNvPr id="1" name=""/>
@@ -2087,23 +2517,25 @@
         </p:nvSpPr>
         <p:spPr>
           <a:xfrm>
-            <a:off x="457200" y="273050"/>
-            <a:ext cx="3008313" cy="1162050"/>
+            <a:off x="1124041" y="959313"/>
+            <a:ext cx="2425950" cy="2242051"/>
           </a:xfrm>
         </p:spPr>
         <p:txBody>
-          <a:bodyPr anchor="b"/>
+          <a:bodyPr anchor="b">
+            <a:normAutofit/>
+          </a:bodyPr>
           <a:lstStyle>
             <a:lvl1pPr algn="l">
-              <a:defRPr sz="2000" b="1"/>
+              <a:defRPr sz="2400"/>
             </a:lvl1pPr>
           </a:lstStyle>
           <a:p>
             <a:r>
-              <a:rPr lang="en-US" smtClean="0"/>
-              <a:t>Click to edit Master title style</a:t>
-            </a:r>
-            <a:endParaRPr lang="en-US"/>
+              <a:rPr lang="ja-JP" altLang="en-US"/>
+              <a:t>マスター タイトルの書式設定</a:t>
+            </a:r>
+            <a:endParaRPr lang="en-US" dirty="0"/>
           </a:p>
         </p:txBody>
       </p:sp>
@@ -2119,140 +2551,146 @@
         </p:nvSpPr>
         <p:spPr>
           <a:xfrm>
-            <a:off x="3575050" y="273050"/>
-            <a:ext cx="5111750" cy="5853113"/>
+            <a:off x="3859877" y="960890"/>
+            <a:ext cx="3828178" cy="4496910"/>
           </a:xfrm>
         </p:spPr>
         <p:txBody>
-          <a:bodyPr/>
+          <a:bodyPr anchor="ctr"/>
+          <a:lstStyle/>
+          <a:p>
+            <a:pPr lvl="0"/>
+            <a:r>
+              <a:rPr lang="ja-JP" altLang="en-US"/>
+              <a:t>マスター テキストの書式設定</a:t>
+            </a:r>
+          </a:p>
+          <a:p>
+            <a:pPr lvl="1"/>
+            <a:r>
+              <a:rPr lang="ja-JP" altLang="en-US"/>
+              <a:t>第 </a:t>
+            </a:r>
+            <a:r>
+              <a:rPr lang="en-US" altLang="ja-JP"/>
+              <a:t>2 </a:t>
+            </a:r>
+            <a:r>
+              <a:rPr lang="ja-JP" altLang="en-US"/>
+              <a:t>レベル</a:t>
+            </a:r>
+          </a:p>
+          <a:p>
+            <a:pPr lvl="2"/>
+            <a:r>
+              <a:rPr lang="ja-JP" altLang="en-US"/>
+              <a:t>第 </a:t>
+            </a:r>
+            <a:r>
+              <a:rPr lang="en-US" altLang="ja-JP"/>
+              <a:t>3 </a:t>
+            </a:r>
+            <a:r>
+              <a:rPr lang="ja-JP" altLang="en-US"/>
+              <a:t>レベル</a:t>
+            </a:r>
+          </a:p>
+          <a:p>
+            <a:pPr lvl="3"/>
+            <a:r>
+              <a:rPr lang="ja-JP" altLang="en-US"/>
+              <a:t>第 </a:t>
+            </a:r>
+            <a:r>
+              <a:rPr lang="en-US" altLang="ja-JP"/>
+              <a:t>4 </a:t>
+            </a:r>
+            <a:r>
+              <a:rPr lang="ja-JP" altLang="en-US"/>
+              <a:t>レベル</a:t>
+            </a:r>
+          </a:p>
+          <a:p>
+            <a:pPr lvl="4"/>
+            <a:r>
+              <a:rPr lang="ja-JP" altLang="en-US"/>
+              <a:t>第 </a:t>
+            </a:r>
+            <a:r>
+              <a:rPr lang="en-US" altLang="ja-JP"/>
+              <a:t>5 </a:t>
+            </a:r>
+            <a:r>
+              <a:rPr lang="ja-JP" altLang="en-US"/>
+              <a:t>レベル</a:t>
+            </a:r>
+            <a:endParaRPr lang="en-US" dirty="0"/>
+          </a:p>
+        </p:txBody>
+      </p:sp>
+      <p:sp>
+        <p:nvSpPr>
+          <p:cNvPr id="4" name="Text Placeholder 3"/>
+          <p:cNvSpPr>
+            <a:spLocks noGrp="1"/>
+          </p:cNvSpPr>
+          <p:nvPr>
+            <p:ph type="body" sz="half" idx="2"/>
+          </p:nvPr>
+        </p:nvSpPr>
+        <p:spPr>
+          <a:xfrm>
+            <a:off x="1124041" y="3205492"/>
+            <a:ext cx="2427369" cy="2248181"/>
+          </a:xfrm>
+        </p:spPr>
+        <p:txBody>
+          <a:bodyPr>
+            <a:normAutofit/>
+          </a:bodyPr>
           <a:lstStyle>
-            <a:lvl1pPr>
-              <a:defRPr sz="3200"/>
+            <a:lvl1pPr marL="0" indent="0" algn="l">
+              <a:buNone/>
+              <a:defRPr sz="1600"/>
             </a:lvl1pPr>
-            <a:lvl2pPr>
-              <a:defRPr sz="2800"/>
+            <a:lvl2pPr marL="342900" indent="0">
+              <a:buNone/>
+              <a:defRPr sz="1050"/>
             </a:lvl2pPr>
-            <a:lvl3pPr>
-              <a:defRPr sz="2400"/>
+            <a:lvl3pPr marL="685800" indent="0">
+              <a:buNone/>
+              <a:defRPr sz="900"/>
             </a:lvl3pPr>
-            <a:lvl4pPr>
-              <a:defRPr sz="2000"/>
+            <a:lvl4pPr marL="1028700" indent="0">
+              <a:buNone/>
+              <a:defRPr sz="750"/>
             </a:lvl4pPr>
-            <a:lvl5pPr>
-              <a:defRPr sz="2000"/>
+            <a:lvl5pPr marL="1371600" indent="0">
+              <a:buNone/>
+              <a:defRPr sz="750"/>
             </a:lvl5pPr>
-            <a:lvl6pPr>
-              <a:defRPr sz="2000"/>
+            <a:lvl6pPr marL="1714500" indent="0">
+              <a:buNone/>
+              <a:defRPr sz="750"/>
             </a:lvl6pPr>
-            <a:lvl7pPr>
-              <a:defRPr sz="2000"/>
+            <a:lvl7pPr marL="2057400" indent="0">
+              <a:buNone/>
+              <a:defRPr sz="750"/>
             </a:lvl7pPr>
-            <a:lvl8pPr>
-              <a:defRPr sz="2000"/>
+            <a:lvl8pPr marL="2400300" indent="0">
+              <a:buNone/>
+              <a:defRPr sz="750"/>
             </a:lvl8pPr>
-            <a:lvl9pPr>
-              <a:defRPr sz="2000"/>
+            <a:lvl9pPr marL="2743200" indent="0">
+              <a:buNone/>
+              <a:defRPr sz="750"/>
             </a:lvl9pPr>
           </a:lstStyle>
           <a:p>
             <a:pPr lvl="0"/>
             <a:r>
-              <a:rPr lang="en-US" smtClean="0"/>
-              <a:t>Click to edit Master text styles</a:t>
-            </a:r>
-          </a:p>
-          <a:p>
-            <a:pPr lvl="1"/>
-            <a:r>
-              <a:rPr lang="en-US" smtClean="0"/>
-              <a:t>Second level</a:t>
-            </a:r>
-          </a:p>
-          <a:p>
-            <a:pPr lvl="2"/>
-            <a:r>
-              <a:rPr lang="en-US" smtClean="0"/>
-              <a:t>Third level</a:t>
-            </a:r>
-          </a:p>
-          <a:p>
-            <a:pPr lvl="3"/>
-            <a:r>
-              <a:rPr lang="en-US" smtClean="0"/>
-              <a:t>Fourth level</a:t>
-            </a:r>
-          </a:p>
-          <a:p>
-            <a:pPr lvl="4"/>
-            <a:r>
-              <a:rPr lang="en-US" smtClean="0"/>
-              <a:t>Fifth level</a:t>
-            </a:r>
-            <a:endParaRPr lang="en-US"/>
-          </a:p>
-        </p:txBody>
-      </p:sp>
-      <p:sp>
-        <p:nvSpPr>
-          <p:cNvPr id="4" name="Text Placeholder 3"/>
-          <p:cNvSpPr>
-            <a:spLocks noGrp="1"/>
-          </p:cNvSpPr>
-          <p:nvPr>
-            <p:ph type="body" sz="half" idx="2"/>
-          </p:nvPr>
-        </p:nvSpPr>
-        <p:spPr>
-          <a:xfrm>
-            <a:off x="457200" y="1435100"/>
-            <a:ext cx="3008313" cy="4691063"/>
-          </a:xfrm>
-        </p:spPr>
-        <p:txBody>
-          <a:bodyPr/>
-          <a:lstStyle>
-            <a:lvl1pPr marL="0" indent="0">
-              <a:buNone/>
-              <a:defRPr sz="1400"/>
-            </a:lvl1pPr>
-            <a:lvl2pPr marL="457200" indent="0">
-              <a:buNone/>
-              <a:defRPr sz="1200"/>
-            </a:lvl2pPr>
-            <a:lvl3pPr marL="914400" indent="0">
-              <a:buNone/>
-              <a:defRPr sz="1000"/>
-            </a:lvl3pPr>
-            <a:lvl4pPr marL="1371600" indent="0">
-              <a:buNone/>
-              <a:defRPr sz="900"/>
-            </a:lvl4pPr>
-            <a:lvl5pPr marL="1828800" indent="0">
-              <a:buNone/>
-              <a:defRPr sz="900"/>
-            </a:lvl5pPr>
-            <a:lvl6pPr marL="2286000" indent="0">
-              <a:buNone/>
-              <a:defRPr sz="900"/>
-            </a:lvl6pPr>
-            <a:lvl7pPr marL="2743200" indent="0">
-              <a:buNone/>
-              <a:defRPr sz="900"/>
-            </a:lvl7pPr>
-            <a:lvl8pPr marL="3200400" indent="0">
-              <a:buNone/>
-              <a:defRPr sz="900"/>
-            </a:lvl8pPr>
-            <a:lvl9pPr marL="3657600" indent="0">
-              <a:buNone/>
-              <a:defRPr sz="900"/>
-            </a:lvl9pPr>
-          </a:lstStyle>
-          <a:p>
-            <a:pPr lvl="0"/>
-            <a:r>
-              <a:rPr lang="en-US" smtClean="0"/>
-              <a:t>Click to edit Master text styles</a:t>
+              <a:rPr lang="ja-JP" altLang="en-US"/>
+              <a:t>マスター テキストの書式設定</a:t>
             </a:r>
           </a:p>
         </p:txBody>
@@ -2274,7 +2712,7 @@
           <a:p>
             <a:fld id="{241EB5C9-1307-BA42-ABA2-0BC069CD8E7F}" type="datetimeFigureOut">
               <a:rPr lang="en-US" smtClean="0"/>
-              <a:t>4/5/2019</a:t>
+              <a:t>1/22/20</a:t>
             </a:fld>
             <a:endParaRPr lang="en-US"/>
           </a:p>
@@ -2322,10 +2760,50 @@
           </a:p>
         </p:txBody>
       </p:sp>
+      <p:pic>
+        <p:nvPicPr>
+          <p:cNvPr id="16" name="Picture 15" descr="RedHashing.emf"/>
+          <p:cNvPicPr>
+            <a:picLocks/>
+          </p:cNvPicPr>
+          <p:nvPr/>
+        </p:nvPicPr>
+        <p:blipFill rotWithShape="1">
+          <a:blip r:embed="rId2">
+            <a:duotone>
+              <a:schemeClr val="accent1">
+                <a:shade val="45000"/>
+                <a:satMod val="135000"/>
+              </a:schemeClr>
+              <a:prstClr val="white"/>
+            </a:duotone>
+            <a:extLst>
+              <a:ext uri="{28A0092B-C50C-407E-A947-70E740481C1C}">
+                <a14:useLocalDpi xmlns:a14="http://schemas.microsoft.com/office/drawing/2010/main" val="0"/>
+              </a:ext>
+            </a:extLst>
+          </a:blip>
+          <a:srcRect l="-116" r="42454" b="36435"/>
+          <a:stretch/>
+        </p:blipFill>
+        <p:spPr>
+          <a:xfrm>
+            <a:off x="1125460" y="643464"/>
+            <a:ext cx="6574536" cy="155448"/>
+          </a:xfrm>
+          <a:prstGeom prst="rect">
+            <a:avLst/>
+          </a:prstGeom>
+          <a:noFill/>
+          <a:ln>
+            <a:noFill/>
+          </a:ln>
+        </p:spPr>
+      </p:pic>
     </p:spTree>
     <p:extLst>
       <p:ext uri="{BB962C8B-B14F-4D97-AF65-F5344CB8AC3E}">
-        <p14:creationId xmlns:p14="http://schemas.microsoft.com/office/powerpoint/2010/main" val="3540895647"/>
+        <p14:creationId xmlns:p14="http://schemas.microsoft.com/office/powerpoint/2010/main" val="2687588570"/>
       </p:ext>
     </p:extLst>
   </p:cSld>
@@ -2337,7 +2815,7 @@
 
 <file path=ppt/slideLayouts/slideLayout9.xml><?xml version="1.0" encoding="utf-8"?>
 <p:sldLayout xmlns:a="http://schemas.openxmlformats.org/drawingml/2006/main" xmlns:r="http://schemas.openxmlformats.org/officeDocument/2006/relationships" xmlns:p="http://schemas.openxmlformats.org/presentationml/2006/main" type="picTx" preserve="1">
-  <p:cSld name="Picture with Caption">
+  <p:cSld name="タイトル付きの図">
     <p:spTree>
       <p:nvGrpSpPr>
         <p:cNvPr id="1" name=""/>
@@ -2352,6 +2830,146 @@
           <a:chExt cx="0" cy="0"/>
         </a:xfrm>
       </p:grpSpPr>
+      <p:grpSp>
+        <p:nvGrpSpPr>
+          <p:cNvPr id="8" name="Group 7"/>
+          <p:cNvGrpSpPr/>
+          <p:nvPr/>
+        </p:nvGrpSpPr>
+        <p:grpSpPr>
+          <a:xfrm>
+            <a:off x="4996501" y="482171"/>
+            <a:ext cx="3511387" cy="5149101"/>
+            <a:chOff x="4996501" y="482171"/>
+            <a:chExt cx="3511387" cy="5149101"/>
+          </a:xfrm>
+        </p:grpSpPr>
+        <p:sp>
+          <p:nvSpPr>
+            <p:cNvPr id="14" name="Rectangle 13"/>
+            <p:cNvSpPr/>
+            <p:nvPr/>
+          </p:nvSpPr>
+          <p:spPr>
+            <a:xfrm>
+              <a:off x="4996501" y="482171"/>
+              <a:ext cx="3511387" cy="5149101"/>
+            </a:xfrm>
+            <a:prstGeom prst="rect">
+              <a:avLst/>
+            </a:prstGeom>
+            <a:gradFill>
+              <a:gsLst>
+                <a:gs pos="0">
+                  <a:schemeClr val="tx1">
+                    <a:lumMod val="85000"/>
+                    <a:lumOff val="15000"/>
+                  </a:schemeClr>
+                </a:gs>
+                <a:gs pos="100000">
+                  <a:schemeClr val="tx1">
+                    <a:lumMod val="95000"/>
+                    <a:lumOff val="5000"/>
+                  </a:schemeClr>
+                </a:gs>
+              </a:gsLst>
+            </a:gradFill>
+            <a:ln w="76200" cmpd="sng">
+              <a:noFill/>
+              <a:miter lim="800000"/>
+            </a:ln>
+            <a:effectLst>
+              <a:outerShdw blurRad="127000" dist="228600" dir="4740000" sx="98000" sy="98000" algn="tl" rotWithShape="0">
+                <a:srgbClr val="000000">
+                  <a:alpha val="34000"/>
+                </a:srgbClr>
+              </a:outerShdw>
+            </a:effectLst>
+            <a:scene3d>
+              <a:camera prst="orthographicFront"/>
+              <a:lightRig rig="threePt" dir="t"/>
+            </a:scene3d>
+            <a:sp3d>
+              <a:bevelT w="114300" prst="artDeco"/>
+            </a:sp3d>
+          </p:spPr>
+          <p:style>
+            <a:lnRef idx="1">
+              <a:schemeClr val="accent1"/>
+            </a:lnRef>
+            <a:fillRef idx="3">
+              <a:schemeClr val="accent1"/>
+            </a:fillRef>
+            <a:effectRef idx="2">
+              <a:schemeClr val="accent1"/>
+            </a:effectRef>
+            <a:fontRef idx="minor">
+              <a:schemeClr val="lt1"/>
+            </a:fontRef>
+          </p:style>
+        </p:sp>
+        <p:sp>
+          <p:nvSpPr>
+            <p:cNvPr id="15" name="Rectangle 14"/>
+            <p:cNvSpPr/>
+            <p:nvPr/>
+          </p:nvSpPr>
+          <p:spPr>
+            <a:xfrm>
+              <a:off x="5312152" y="812506"/>
+              <a:ext cx="2883013" cy="4479361"/>
+            </a:xfrm>
+            <a:prstGeom prst="rect">
+              <a:avLst/>
+            </a:prstGeom>
+            <a:gradFill>
+              <a:gsLst>
+                <a:gs pos="0">
+                  <a:srgbClr val="DADADA"/>
+                </a:gs>
+                <a:gs pos="100000">
+                  <a:srgbClr val="FFFFFE"/>
+                </a:gs>
+              </a:gsLst>
+              <a:lin ang="16200000" scaled="0"/>
+            </a:gradFill>
+            <a:ln w="50800" cmpd="sng">
+              <a:solidFill>
+                <a:srgbClr val="191919"/>
+              </a:solidFill>
+              <a:miter lim="800000"/>
+            </a:ln>
+            <a:effectLst>
+              <a:innerShdw blurRad="63500" dist="88900" dir="14100000">
+                <a:srgbClr val="000000">
+                  <a:alpha val="30000"/>
+                </a:srgbClr>
+              </a:innerShdw>
+            </a:effectLst>
+            <a:scene3d>
+              <a:camera prst="orthographicFront"/>
+              <a:lightRig rig="threePt" dir="t"/>
+            </a:scene3d>
+            <a:sp3d>
+              <a:bevelT prst="relaxedInset"/>
+            </a:sp3d>
+          </p:spPr>
+          <p:style>
+            <a:lnRef idx="1">
+              <a:schemeClr val="accent1"/>
+            </a:lnRef>
+            <a:fillRef idx="3">
+              <a:schemeClr val="accent1"/>
+            </a:fillRef>
+            <a:effectRef idx="2">
+              <a:schemeClr val="accent1"/>
+            </a:effectRef>
+            <a:fontRef idx="minor">
+              <a:schemeClr val="lt1"/>
+            </a:fontRef>
+          </p:style>
+        </p:sp>
+      </p:grpSp>
       <p:sp>
         <p:nvSpPr>
           <p:cNvPr id="2" name="Title 1"/>
@@ -2364,205 +2982,242 @@
         </p:nvSpPr>
         <p:spPr>
           <a:xfrm>
-            <a:off x="1792288" y="4800600"/>
-            <a:ext cx="5486400" cy="566738"/>
+            <a:off x="1132077" y="1129512"/>
+            <a:ext cx="3386166" cy="1918487"/>
           </a:xfrm>
         </p:spPr>
         <p:txBody>
-          <a:bodyPr anchor="b"/>
+          <a:bodyPr anchor="b">
+            <a:normAutofit/>
+          </a:bodyPr>
+          <a:lstStyle>
+            <a:lvl1pPr>
+              <a:defRPr sz="3200"/>
+            </a:lvl1pPr>
+          </a:lstStyle>
+          <a:p>
+            <a:r>
+              <a:rPr lang="ja-JP" altLang="en-US"/>
+              <a:t>マスター タイトルの書式設定</a:t>
+            </a:r>
+            <a:endParaRPr lang="en-US" dirty="0"/>
+          </a:p>
+        </p:txBody>
+      </p:sp>
+      <p:sp>
+        <p:nvSpPr>
+          <p:cNvPr id="3" name="Picture Placeholder 2"/>
+          <p:cNvSpPr>
+            <a:spLocks noGrp="1" noChangeAspect="1"/>
+          </p:cNvSpPr>
+          <p:nvPr>
+            <p:ph type="pic" idx="1"/>
+          </p:nvPr>
+        </p:nvSpPr>
+        <p:spPr>
+          <a:xfrm>
+            <a:off x="5640128" y="1122543"/>
+            <a:ext cx="2234998" cy="3866327"/>
+          </a:xfrm>
+          <a:solidFill>
+            <a:schemeClr val="bg1">
+              <a:lumMod val="85000"/>
+            </a:schemeClr>
+          </a:solidFill>
+          <a:ln w="9525" cap="sq">
+            <a:noFill/>
+            <a:miter lim="800000"/>
+          </a:ln>
+          <a:effectLst/>
+        </p:spPr>
+        <p:txBody>
+          <a:bodyPr anchor="t"/>
+          <a:lstStyle>
+            <a:lvl1pPr marL="0" indent="0" algn="ctr">
+              <a:buNone/>
+              <a:defRPr sz="2400"/>
+            </a:lvl1pPr>
+            <a:lvl2pPr marL="342900" indent="0">
+              <a:buNone/>
+              <a:defRPr sz="2100"/>
+            </a:lvl2pPr>
+            <a:lvl3pPr marL="685800" indent="0">
+              <a:buNone/>
+              <a:defRPr sz="1800"/>
+            </a:lvl3pPr>
+            <a:lvl4pPr marL="1028700" indent="0">
+              <a:buNone/>
+              <a:defRPr sz="1500"/>
+            </a:lvl4pPr>
+            <a:lvl5pPr marL="1371600" indent="0">
+              <a:buNone/>
+              <a:defRPr sz="1500"/>
+            </a:lvl5pPr>
+            <a:lvl6pPr marL="1714500" indent="0">
+              <a:buNone/>
+              <a:defRPr sz="1500"/>
+            </a:lvl6pPr>
+            <a:lvl7pPr marL="2057400" indent="0">
+              <a:buNone/>
+              <a:defRPr sz="1500"/>
+            </a:lvl7pPr>
+            <a:lvl8pPr marL="2400300" indent="0">
+              <a:buNone/>
+              <a:defRPr sz="1500"/>
+            </a:lvl8pPr>
+            <a:lvl9pPr marL="2743200" indent="0">
+              <a:buNone/>
+              <a:defRPr sz="1500"/>
+            </a:lvl9pPr>
+          </a:lstStyle>
+          <a:p>
+            <a:r>
+              <a:rPr lang="ja-JP" altLang="en-US"/>
+              <a:t>アイコンをクリックして図を追加</a:t>
+            </a:r>
+            <a:endParaRPr lang="en-US" dirty="0"/>
+          </a:p>
+        </p:txBody>
+      </p:sp>
+      <p:sp>
+        <p:nvSpPr>
+          <p:cNvPr id="4" name="Text Placeholder 3"/>
+          <p:cNvSpPr>
+            <a:spLocks noGrp="1"/>
+          </p:cNvSpPr>
+          <p:nvPr>
+            <p:ph type="body" sz="half" idx="2"/>
+          </p:nvPr>
+        </p:nvSpPr>
+        <p:spPr>
+          <a:xfrm>
+            <a:off x="1131420" y="3057166"/>
+            <a:ext cx="3390817" cy="2092568"/>
+          </a:xfrm>
+        </p:spPr>
+        <p:txBody>
+          <a:bodyPr>
+            <a:normAutofit/>
+          </a:bodyPr>
+          <a:lstStyle>
+            <a:lvl1pPr marL="0" indent="0" algn="l">
+              <a:buNone/>
+              <a:defRPr sz="1800"/>
+            </a:lvl1pPr>
+            <a:lvl2pPr marL="342900" indent="0">
+              <a:buNone/>
+              <a:defRPr sz="1050"/>
+            </a:lvl2pPr>
+            <a:lvl3pPr marL="685800" indent="0">
+              <a:buNone/>
+              <a:defRPr sz="900"/>
+            </a:lvl3pPr>
+            <a:lvl4pPr marL="1028700" indent="0">
+              <a:buNone/>
+              <a:defRPr sz="750"/>
+            </a:lvl4pPr>
+            <a:lvl5pPr marL="1371600" indent="0">
+              <a:buNone/>
+              <a:defRPr sz="750"/>
+            </a:lvl5pPr>
+            <a:lvl6pPr marL="1714500" indent="0">
+              <a:buNone/>
+              <a:defRPr sz="750"/>
+            </a:lvl6pPr>
+            <a:lvl7pPr marL="2057400" indent="0">
+              <a:buNone/>
+              <a:defRPr sz="750"/>
+            </a:lvl7pPr>
+            <a:lvl8pPr marL="2400300" indent="0">
+              <a:buNone/>
+              <a:defRPr sz="750"/>
+            </a:lvl8pPr>
+            <a:lvl9pPr marL="2743200" indent="0">
+              <a:buNone/>
+              <a:defRPr sz="750"/>
+            </a:lvl9pPr>
+          </a:lstStyle>
+          <a:p>
+            <a:pPr lvl="0"/>
+            <a:r>
+              <a:rPr lang="ja-JP" altLang="en-US"/>
+              <a:t>マスター テキストの書式設定</a:t>
+            </a:r>
+          </a:p>
+        </p:txBody>
+      </p:sp>
+      <p:sp>
+        <p:nvSpPr>
+          <p:cNvPr id="5" name="Date Placeholder 4"/>
+          <p:cNvSpPr>
+            <a:spLocks noGrp="1"/>
+          </p:cNvSpPr>
+          <p:nvPr>
+            <p:ph type="dt" sz="half" idx="10"/>
+          </p:nvPr>
+        </p:nvSpPr>
+        <p:spPr>
+          <a:xfrm>
+            <a:off x="1124592" y="5469857"/>
+            <a:ext cx="3393977" cy="320123"/>
+          </a:xfrm>
+        </p:spPr>
+        <p:txBody>
+          <a:bodyPr/>
           <a:lstStyle>
             <a:lvl1pPr algn="l">
-              <a:defRPr sz="2000" b="1"/>
+              <a:defRPr/>
             </a:lvl1pPr>
           </a:lstStyle>
           <a:p>
-            <a:r>
+            <a:fld id="{241EB5C9-1307-BA42-ABA2-0BC069CD8E7F}" type="datetimeFigureOut">
               <a:rPr lang="en-US" smtClean="0"/>
-              <a:t>Click to edit Master title style</a:t>
-            </a:r>
+              <a:t>1/22/20</a:t>
+            </a:fld>
             <a:endParaRPr lang="en-US"/>
           </a:p>
         </p:txBody>
       </p:sp>
       <p:sp>
         <p:nvSpPr>
-          <p:cNvPr id="3" name="Picture Placeholder 2"/>
-          <p:cNvSpPr>
-            <a:spLocks noGrp="1"/>
-          </p:cNvSpPr>
-          <p:nvPr>
-            <p:ph type="pic" idx="1"/>
+          <p:cNvPr id="6" name="Footer Placeholder 5"/>
+          <p:cNvSpPr>
+            <a:spLocks noGrp="1"/>
+          </p:cNvSpPr>
+          <p:nvPr>
+            <p:ph type="ftr" sz="quarter" idx="11"/>
           </p:nvPr>
         </p:nvSpPr>
         <p:spPr>
           <a:xfrm>
-            <a:off x="1792288" y="612775"/>
-            <a:ext cx="5486400" cy="4114800"/>
+            <a:off x="1125459" y="318641"/>
+            <a:ext cx="2601032" cy="320931"/>
           </a:xfrm>
         </p:spPr>
         <p:txBody>
           <a:bodyPr/>
-          <a:lstStyle>
-            <a:lvl1pPr marL="0" indent="0">
-              <a:buNone/>
-              <a:defRPr sz="3200"/>
-            </a:lvl1pPr>
-            <a:lvl2pPr marL="457200" indent="0">
-              <a:buNone/>
-              <a:defRPr sz="2800"/>
-            </a:lvl2pPr>
-            <a:lvl3pPr marL="914400" indent="0">
-              <a:buNone/>
-              <a:defRPr sz="2400"/>
-            </a:lvl3pPr>
-            <a:lvl4pPr marL="1371600" indent="0">
-              <a:buNone/>
-              <a:defRPr sz="2000"/>
-            </a:lvl4pPr>
-            <a:lvl5pPr marL="1828800" indent="0">
-              <a:buNone/>
-              <a:defRPr sz="2000"/>
-            </a:lvl5pPr>
-            <a:lvl6pPr marL="2286000" indent="0">
-              <a:buNone/>
-              <a:defRPr sz="2000"/>
-            </a:lvl6pPr>
-            <a:lvl7pPr marL="2743200" indent="0">
-              <a:buNone/>
-              <a:defRPr sz="2000"/>
-            </a:lvl7pPr>
-            <a:lvl8pPr marL="3200400" indent="0">
-              <a:buNone/>
-              <a:defRPr sz="2000"/>
-            </a:lvl8pPr>
-            <a:lvl9pPr marL="3657600" indent="0">
-              <a:buNone/>
-              <a:defRPr sz="2000"/>
-            </a:lvl9pPr>
-          </a:lstStyle>
-          <a:p>
-            <a:endParaRPr lang="en-US"/>
-          </a:p>
-        </p:txBody>
-      </p:sp>
-      <p:sp>
-        <p:nvSpPr>
-          <p:cNvPr id="4" name="Text Placeholder 3"/>
-          <p:cNvSpPr>
-            <a:spLocks noGrp="1"/>
-          </p:cNvSpPr>
-          <p:nvPr>
-            <p:ph type="body" sz="half" idx="2"/>
+          <a:lstStyle/>
+          <a:p>
+            <a:endParaRPr lang="en-US" dirty="0"/>
+          </a:p>
+        </p:txBody>
+      </p:sp>
+      <p:sp>
+        <p:nvSpPr>
+          <p:cNvPr id="7" name="Slide Number Placeholder 6"/>
+          <p:cNvSpPr>
+            <a:spLocks noGrp="1"/>
+          </p:cNvSpPr>
+          <p:nvPr>
+            <p:ph type="sldNum" sz="quarter" idx="12"/>
           </p:nvPr>
         </p:nvSpPr>
         <p:spPr>
           <a:xfrm>
-            <a:off x="1792288" y="5367338"/>
-            <a:ext cx="5486400" cy="804862"/>
+            <a:off x="3726491" y="131730"/>
+            <a:ext cx="795746" cy="503578"/>
           </a:xfrm>
         </p:spPr>
-        <p:txBody>
-          <a:bodyPr/>
-          <a:lstStyle>
-            <a:lvl1pPr marL="0" indent="0">
-              <a:buNone/>
-              <a:defRPr sz="1400"/>
-            </a:lvl1pPr>
-            <a:lvl2pPr marL="457200" indent="0">
-              <a:buNone/>
-              <a:defRPr sz="1200"/>
-            </a:lvl2pPr>
-            <a:lvl3pPr marL="914400" indent="0">
-              <a:buNone/>
-              <a:defRPr sz="1000"/>
-            </a:lvl3pPr>
-            <a:lvl4pPr marL="1371600" indent="0">
-              <a:buNone/>
-              <a:defRPr sz="900"/>
-            </a:lvl4pPr>
-            <a:lvl5pPr marL="1828800" indent="0">
-              <a:buNone/>
-              <a:defRPr sz="900"/>
-            </a:lvl5pPr>
-            <a:lvl6pPr marL="2286000" indent="0">
-              <a:buNone/>
-              <a:defRPr sz="900"/>
-            </a:lvl6pPr>
-            <a:lvl7pPr marL="2743200" indent="0">
-              <a:buNone/>
-              <a:defRPr sz="900"/>
-            </a:lvl7pPr>
-            <a:lvl8pPr marL="3200400" indent="0">
-              <a:buNone/>
-              <a:defRPr sz="900"/>
-            </a:lvl8pPr>
-            <a:lvl9pPr marL="3657600" indent="0">
-              <a:buNone/>
-              <a:defRPr sz="900"/>
-            </a:lvl9pPr>
-          </a:lstStyle>
-          <a:p>
-            <a:pPr lvl="0"/>
-            <a:r>
-              <a:rPr lang="en-US" smtClean="0"/>
-              <a:t>Click to edit Master text styles</a:t>
-            </a:r>
-          </a:p>
-        </p:txBody>
-      </p:sp>
-      <p:sp>
-        <p:nvSpPr>
-          <p:cNvPr id="5" name="Date Placeholder 4"/>
-          <p:cNvSpPr>
-            <a:spLocks noGrp="1"/>
-          </p:cNvSpPr>
-          <p:nvPr>
-            <p:ph type="dt" sz="half" idx="10"/>
-          </p:nvPr>
-        </p:nvSpPr>
-        <p:spPr/>
-        <p:txBody>
-          <a:bodyPr/>
-          <a:lstStyle/>
-          <a:p>
-            <a:fld id="{241EB5C9-1307-BA42-ABA2-0BC069CD8E7F}" type="datetimeFigureOut">
-              <a:rPr lang="en-US" smtClean="0"/>
-              <a:t>4/5/2019</a:t>
-            </a:fld>
-            <a:endParaRPr lang="en-US"/>
-          </a:p>
-        </p:txBody>
-      </p:sp>
-      <p:sp>
-        <p:nvSpPr>
-          <p:cNvPr id="6" name="Footer Placeholder 5"/>
-          <p:cNvSpPr>
-            <a:spLocks noGrp="1"/>
-          </p:cNvSpPr>
-          <p:nvPr>
-            <p:ph type="ftr" sz="quarter" idx="11"/>
-          </p:nvPr>
-        </p:nvSpPr>
-        <p:spPr/>
-        <p:txBody>
-          <a:bodyPr/>
-          <a:lstStyle/>
-          <a:p>
-            <a:endParaRPr lang="en-US"/>
-          </a:p>
-        </p:txBody>
-      </p:sp>
-      <p:sp>
-        <p:nvSpPr>
-          <p:cNvPr id="7" name="Slide Number Placeholder 6"/>
-          <p:cNvSpPr>
-            <a:spLocks noGrp="1"/>
-          </p:cNvSpPr>
-          <p:nvPr>
-            <p:ph type="sldNum" sz="quarter" idx="12"/>
-          </p:nvPr>
-        </p:nvSpPr>
-        <p:spPr/>
         <p:txBody>
           <a:bodyPr/>
           <a:lstStyle/>
@@ -2575,10 +3230,50 @@
           </a:p>
         </p:txBody>
       </p:sp>
+      <p:pic>
+        <p:nvPicPr>
+          <p:cNvPr id="22" name="Picture 21" descr="RedHashing.emf"/>
+          <p:cNvPicPr>
+            <a:picLocks/>
+          </p:cNvPicPr>
+          <p:nvPr/>
+        </p:nvPicPr>
+        <p:blipFill rotWithShape="1">
+          <a:blip r:embed="rId2">
+            <a:duotone>
+              <a:schemeClr val="accent1">
+                <a:shade val="45000"/>
+                <a:satMod val="135000"/>
+              </a:schemeClr>
+              <a:prstClr val="white"/>
+            </a:duotone>
+            <a:extLst>
+              <a:ext uri="{28A0092B-C50C-407E-A947-70E740481C1C}">
+                <a14:useLocalDpi xmlns:a14="http://schemas.microsoft.com/office/drawing/2010/main" val="0"/>
+              </a:ext>
+            </a:extLst>
+          </a:blip>
+          <a:srcRect l="-116" r="70363" b="36435"/>
+          <a:stretch/>
+        </p:blipFill>
+        <p:spPr>
+          <a:xfrm>
+            <a:off x="1125460" y="643464"/>
+            <a:ext cx="3392424" cy="155448"/>
+          </a:xfrm>
+          <a:prstGeom prst="rect">
+            <a:avLst/>
+          </a:prstGeom>
+          <a:noFill/>
+          <a:ln>
+            <a:noFill/>
+          </a:ln>
+        </p:spPr>
+      </p:pic>
     </p:spTree>
     <p:extLst>
       <p:ext uri="{BB962C8B-B14F-4D97-AF65-F5344CB8AC3E}">
-        <p14:creationId xmlns:p14="http://schemas.microsoft.com/office/powerpoint/2010/main" val="3566899855"/>
+        <p14:creationId xmlns:p14="http://schemas.microsoft.com/office/powerpoint/2010/main" val="505456016"/>
       </p:ext>
     </p:extLst>
   </p:cSld>
@@ -2592,7 +3287,7 @@
 <p:sldMaster xmlns:a="http://schemas.openxmlformats.org/drawingml/2006/main" xmlns:r="http://schemas.openxmlformats.org/officeDocument/2006/relationships" xmlns:p="http://schemas.openxmlformats.org/presentationml/2006/main">
   <p:cSld>
     <p:bg>
-      <p:bgRef idx="1001">
+      <p:bgRef idx="1003">
         <a:schemeClr val="bg1"/>
       </p:bgRef>
     </p:bg>
@@ -2610,125 +3305,276 @@
           <a:chExt cx="0" cy="0"/>
         </a:xfrm>
       </p:grpSpPr>
-      <p:sp>
-        <p:nvSpPr>
-          <p:cNvPr id="2" name="Title Placeholder 1"/>
-          <p:cNvSpPr>
-            <a:spLocks noGrp="1"/>
-          </p:cNvSpPr>
-          <p:nvPr>
-            <p:ph type="title"/>
-          </p:nvPr>
-        </p:nvSpPr>
+      <p:pic>
+        <p:nvPicPr>
+          <p:cNvPr id="9" name="Picture 8"/>
+          <p:cNvPicPr>
+            <a:picLocks noChangeAspect="1"/>
+          </p:cNvPicPr>
+          <p:nvPr/>
+        </p:nvPicPr>
+        <p:blipFill rotWithShape="1">
+          <a:blip r:embed="rId13">
+            <a:extLst>
+              <a:ext uri="{28A0092B-C50C-407E-A947-70E740481C1C}">
+                <a14:useLocalDpi xmlns:a14="http://schemas.microsoft.com/office/drawing/2010/main" val="0"/>
+              </a:ext>
+            </a:extLst>
+          </a:blip>
+          <a:srcRect t="1538" b="-1538"/>
+          <a:stretch/>
+        </p:blipFill>
         <p:spPr>
           <a:xfrm>
-            <a:off x="457200" y="274638"/>
-            <a:ext cx="8229600" cy="1143000"/>
+            <a:off x="0" y="6119854"/>
+            <a:ext cx="9144000" cy="742950"/>
           </a:xfrm>
           <a:prstGeom prst="rect">
             <a:avLst/>
           </a:prstGeom>
         </p:spPr>
-        <p:txBody>
-          <a:bodyPr vert="horz" lIns="91440" tIns="45720" rIns="91440" bIns="45720" rtlCol="0" anchor="ctr">
-            <a:normAutofit/>
-          </a:bodyPr>
-          <a:lstStyle/>
-          <a:p>
-            <a:r>
-              <a:rPr lang="en-US" smtClean="0"/>
-              <a:t>Click to edit Master title style</a:t>
-            </a:r>
-            <a:endParaRPr lang="en-US"/>
-          </a:p>
-        </p:txBody>
-      </p:sp>
-      <p:sp>
-        <p:nvSpPr>
-          <p:cNvPr id="3" name="Text Placeholder 2"/>
-          <p:cNvSpPr>
-            <a:spLocks noGrp="1"/>
-          </p:cNvSpPr>
-          <p:nvPr>
-            <p:ph type="body" idx="1"/>
-          </p:nvPr>
+      </p:pic>
+      <p:sp>
+        <p:nvSpPr>
+          <p:cNvPr id="12" name="Rectangle 11"/>
+          <p:cNvSpPr/>
+          <p:nvPr/>
         </p:nvSpPr>
         <p:spPr>
           <a:xfrm>
-            <a:off x="457200" y="1600200"/>
-            <a:ext cx="8229600" cy="4525963"/>
+            <a:off x="0" y="468769"/>
+            <a:ext cx="9144000" cy="5647024"/>
+          </a:xfrm>
+          <a:prstGeom prst="rect">
+            <a:avLst/>
+          </a:prstGeom>
+          <a:gradFill flip="none" rotWithShape="1">
+            <a:gsLst>
+              <a:gs pos="0">
+                <a:schemeClr val="bg2">
+                  <a:alpha val="0"/>
+                  <a:lumMod val="100000"/>
+                </a:schemeClr>
+              </a:gs>
+              <a:gs pos="100000">
+                <a:schemeClr val="bg2">
+                  <a:lumMod val="95000"/>
+                  <a:lumOff val="5000"/>
+                </a:schemeClr>
+              </a:gs>
+            </a:gsLst>
+            <a:lin ang="5400000" scaled="0"/>
+            <a:tileRect/>
+          </a:gradFill>
+          <a:ln>
+            <a:noFill/>
+          </a:ln>
+        </p:spPr>
+        <p:style>
+          <a:lnRef idx="2">
+            <a:schemeClr val="accent1">
+              <a:shade val="50000"/>
+            </a:schemeClr>
+          </a:lnRef>
+          <a:fillRef idx="1">
+            <a:schemeClr val="accent1"/>
+          </a:fillRef>
+          <a:effectRef idx="0">
+            <a:schemeClr val="accent1"/>
+          </a:effectRef>
+          <a:fontRef idx="minor">
+            <a:schemeClr val="lt1"/>
+          </a:fontRef>
+        </p:style>
+      </p:sp>
+      <p:cxnSp>
+        <p:nvCxnSpPr>
+          <p:cNvPr id="13" name="Straight Connector 12"/>
+          <p:cNvCxnSpPr/>
+          <p:nvPr/>
+        </p:nvCxnSpPr>
+        <p:spPr>
+          <a:xfrm>
+            <a:off x="0" y="6121005"/>
+            <a:ext cx="9144000" cy="0"/>
+          </a:xfrm>
+          <a:prstGeom prst="line">
+            <a:avLst/>
+          </a:prstGeom>
+          <a:ln w="12700">
+            <a:solidFill>
+              <a:srgbClr val="000001">
+                <a:alpha val="20000"/>
+              </a:srgbClr>
+            </a:solidFill>
+          </a:ln>
+        </p:spPr>
+        <p:style>
+          <a:lnRef idx="1">
+            <a:schemeClr val="accent1"/>
+          </a:lnRef>
+          <a:fillRef idx="0">
+            <a:schemeClr val="accent1"/>
+          </a:fillRef>
+          <a:effectRef idx="0">
+            <a:schemeClr val="accent1"/>
+          </a:effectRef>
+          <a:fontRef idx="minor">
+            <a:schemeClr val="tx1"/>
+          </a:fontRef>
+        </p:style>
+      </p:cxnSp>
+      <p:sp>
+        <p:nvSpPr>
+          <p:cNvPr id="2" name="Title Placeholder 1"/>
+          <p:cNvSpPr>
+            <a:spLocks noGrp="1"/>
+          </p:cNvSpPr>
+          <p:nvPr>
+            <p:ph type="title"/>
+          </p:nvPr>
+        </p:nvSpPr>
+        <p:spPr>
+          <a:xfrm>
+            <a:off x="1128684" y="956172"/>
+            <a:ext cx="6571343" cy="1049235"/>
           </a:xfrm>
           <a:prstGeom prst="rect">
             <a:avLst/>
           </a:prstGeom>
         </p:spPr>
         <p:txBody>
-          <a:bodyPr vert="horz" lIns="91440" tIns="45720" rIns="91440" bIns="45720" rtlCol="0">
+          <a:bodyPr vert="horz" lIns="91440" tIns="45720" rIns="91440" bIns="45720" rtlCol="0" anchor="t">
             <a:normAutofit/>
           </a:bodyPr>
           <a:lstStyle/>
           <a:p>
-            <a:pPr lvl="0"/>
-            <a:r>
-              <a:rPr lang="en-US" smtClean="0"/>
-              <a:t>Click to edit Master text styles</a:t>
-            </a:r>
-          </a:p>
-          <a:p>
-            <a:pPr lvl="1"/>
-            <a:r>
-              <a:rPr lang="en-US" smtClean="0"/>
-              <a:t>Second level</a:t>
-            </a:r>
-          </a:p>
-          <a:p>
-            <a:pPr lvl="2"/>
-            <a:r>
-              <a:rPr lang="en-US" smtClean="0"/>
-              <a:t>Third level</a:t>
-            </a:r>
-          </a:p>
-          <a:p>
-            <a:pPr lvl="3"/>
-            <a:r>
-              <a:rPr lang="en-US" smtClean="0"/>
-              <a:t>Fourth level</a:t>
-            </a:r>
-          </a:p>
-          <a:p>
-            <a:pPr lvl="4"/>
-            <a:r>
-              <a:rPr lang="en-US" smtClean="0"/>
-              <a:t>Fifth level</a:t>
-            </a:r>
-            <a:endParaRPr lang="en-US"/>
-          </a:p>
-        </p:txBody>
-      </p:sp>
-      <p:sp>
-        <p:nvSpPr>
-          <p:cNvPr id="4" name="Date Placeholder 3"/>
-          <p:cNvSpPr>
-            <a:spLocks noGrp="1"/>
-          </p:cNvSpPr>
-          <p:nvPr>
-            <p:ph type="dt" sz="half" idx="2"/>
+            <a:r>
+              <a:rPr lang="ja-JP" altLang="en-US"/>
+              <a:t>マスター タイトルの書式設定</a:t>
+            </a:r>
+            <a:endParaRPr lang="en-US" dirty="0"/>
+          </a:p>
+        </p:txBody>
+      </p:sp>
+      <p:sp>
+        <p:nvSpPr>
+          <p:cNvPr id="3" name="Text Placeholder 2"/>
+          <p:cNvSpPr>
+            <a:spLocks noGrp="1"/>
+          </p:cNvSpPr>
+          <p:nvPr>
+            <p:ph type="body" idx="1"/>
           </p:nvPr>
         </p:nvSpPr>
         <p:spPr>
           <a:xfrm>
-            <a:off x="457200" y="6356350"/>
-            <a:ext cx="2133600" cy="365125"/>
+            <a:off x="1128684" y="2167385"/>
+            <a:ext cx="6571343" cy="3288635"/>
           </a:xfrm>
           <a:prstGeom prst="rect">
             <a:avLst/>
           </a:prstGeom>
         </p:spPr>
         <p:txBody>
+          <a:bodyPr vert="horz" lIns="91440" tIns="45720" rIns="91440" bIns="45720" rtlCol="0">
+            <a:normAutofit/>
+          </a:bodyPr>
+          <a:lstStyle/>
+          <a:p>
+            <a:pPr lvl="0"/>
+            <a:r>
+              <a:rPr lang="ja-JP" altLang="en-US"/>
+              <a:t>マスター テキストの書式設定</a:t>
+            </a:r>
+          </a:p>
+          <a:p>
+            <a:pPr lvl="1"/>
+            <a:r>
+              <a:rPr lang="ja-JP" altLang="en-US"/>
+              <a:t>第 </a:t>
+            </a:r>
+            <a:r>
+              <a:rPr lang="en-US" altLang="ja-JP"/>
+              <a:t>2 </a:t>
+            </a:r>
+            <a:r>
+              <a:rPr lang="ja-JP" altLang="en-US"/>
+              <a:t>レベル</a:t>
+            </a:r>
+          </a:p>
+          <a:p>
+            <a:pPr lvl="2"/>
+            <a:r>
+              <a:rPr lang="ja-JP" altLang="en-US"/>
+              <a:t>第 </a:t>
+            </a:r>
+            <a:r>
+              <a:rPr lang="en-US" altLang="ja-JP"/>
+              <a:t>3 </a:t>
+            </a:r>
+            <a:r>
+              <a:rPr lang="ja-JP" altLang="en-US"/>
+              <a:t>レベル</a:t>
+            </a:r>
+          </a:p>
+          <a:p>
+            <a:pPr lvl="3"/>
+            <a:r>
+              <a:rPr lang="ja-JP" altLang="en-US"/>
+              <a:t>第 </a:t>
+            </a:r>
+            <a:r>
+              <a:rPr lang="en-US" altLang="ja-JP"/>
+              <a:t>4 </a:t>
+            </a:r>
+            <a:r>
+              <a:rPr lang="ja-JP" altLang="en-US"/>
+              <a:t>レベル</a:t>
+            </a:r>
+          </a:p>
+          <a:p>
+            <a:pPr lvl="4"/>
+            <a:r>
+              <a:rPr lang="ja-JP" altLang="en-US"/>
+              <a:t>第 </a:t>
+            </a:r>
+            <a:r>
+              <a:rPr lang="en-US" altLang="ja-JP"/>
+              <a:t>5 </a:t>
+            </a:r>
+            <a:r>
+              <a:rPr lang="ja-JP" altLang="en-US"/>
+              <a:t>レベル</a:t>
+            </a:r>
+            <a:endParaRPr lang="en-US" dirty="0"/>
+          </a:p>
+        </p:txBody>
+      </p:sp>
+      <p:sp>
+        <p:nvSpPr>
+          <p:cNvPr id="4" name="Date Placeholder 3"/>
+          <p:cNvSpPr>
+            <a:spLocks noGrp="1"/>
+          </p:cNvSpPr>
+          <p:nvPr>
+            <p:ph type="dt" sz="half" idx="2"/>
+          </p:nvPr>
+        </p:nvSpPr>
+        <p:spPr>
+          <a:xfrm>
+            <a:off x="4521309" y="330371"/>
+            <a:ext cx="2368292" cy="304938"/>
+          </a:xfrm>
+          <a:prstGeom prst="rect">
+            <a:avLst/>
+          </a:prstGeom>
+        </p:spPr>
+        <p:txBody>
           <a:bodyPr vert="horz" lIns="91440" tIns="45720" rIns="91440" bIns="45720" rtlCol="0" anchor="ctr"/>
           <a:lstStyle>
-            <a:lvl1pPr algn="l">
-              <a:defRPr sz="1200">
+            <a:lvl1pPr algn="r">
+              <a:defRPr sz="1000">
                 <a:solidFill>
                   <a:schemeClr val="tx1">
                     <a:tint val="75000"/>
@@ -2740,7 +3586,7 @@
           <a:p>
             <a:fld id="{241EB5C9-1307-BA42-ABA2-0BC069CD8E7F}" type="datetimeFigureOut">
               <a:rPr lang="en-US" smtClean="0"/>
-              <a:t>4/5/2019</a:t>
+              <a:t>1/22/20</a:t>
             </a:fld>
             <a:endParaRPr lang="en-US"/>
           </a:p>
@@ -2758,8 +3604,8 @@
         </p:nvSpPr>
         <p:spPr>
           <a:xfrm>
-            <a:off x="3124200" y="6356350"/>
-            <a:ext cx="2895600" cy="365125"/>
+            <a:off x="1128684" y="329308"/>
+            <a:ext cx="3388498" cy="309201"/>
           </a:xfrm>
           <a:prstGeom prst="rect">
             <a:avLst/>
@@ -2768,8 +3614,8 @@
         <p:txBody>
           <a:bodyPr vert="horz" lIns="91440" tIns="45720" rIns="91440" bIns="45720" rtlCol="0" anchor="ctr"/>
           <a:lstStyle>
-            <a:lvl1pPr algn="ctr">
-              <a:defRPr sz="1200">
+            <a:lvl1pPr algn="l">
+              <a:defRPr sz="1000">
                 <a:solidFill>
                   <a:schemeClr val="tx1">
                     <a:tint val="75000"/>
@@ -2795,22 +3641,20 @@
         </p:nvSpPr>
         <p:spPr>
           <a:xfrm>
-            <a:off x="6553200" y="6356350"/>
-            <a:ext cx="2133600" cy="365125"/>
+            <a:off x="6893728" y="131730"/>
+            <a:ext cx="795746" cy="503578"/>
           </a:xfrm>
           <a:prstGeom prst="rect">
             <a:avLst/>
           </a:prstGeom>
         </p:spPr>
         <p:txBody>
-          <a:bodyPr vert="horz" lIns="91440" tIns="45720" rIns="91440" bIns="45720" rtlCol="0" anchor="ctr"/>
+          <a:bodyPr vert="horz" lIns="91440" tIns="45720" rIns="91440" bIns="45720" rtlCol="0" anchor="t"/>
           <a:lstStyle>
             <a:lvl1pPr algn="r">
-              <a:defRPr sz="1200">
+              <a:defRPr sz="2800">
                 <a:solidFill>
-                  <a:schemeClr val="tx1">
-                    <a:tint val="75000"/>
-                  </a:schemeClr>
+                  <a:schemeClr val="accent1"/>
                 </a:solidFill>
               </a:defRPr>
             </a:lvl1pPr>
@@ -2827,35 +3671,39 @@
     </p:spTree>
     <p:extLst>
       <p:ext uri="{BB962C8B-B14F-4D97-AF65-F5344CB8AC3E}">
-        <p14:creationId xmlns:p14="http://schemas.microsoft.com/office/powerpoint/2010/main" val="3676200875"/>
+        <p14:creationId xmlns:p14="http://schemas.microsoft.com/office/powerpoint/2010/main" val="1876387086"/>
       </p:ext>
     </p:extLst>
   </p:cSld>
   <p:clrMap bg1="lt1" tx1="dk1" bg2="lt2" tx2="dk2" accent1="accent1" accent2="accent2" accent3="accent3" accent4="accent4" accent5="accent5" accent6="accent6" hlink="hlink" folHlink="folHlink"/>
   <p:sldLayoutIdLst>
-    <p:sldLayoutId id="2147483649" r:id="rId1"/>
-    <p:sldLayoutId id="2147483650" r:id="rId2"/>
-    <p:sldLayoutId id="2147483651" r:id="rId3"/>
-    <p:sldLayoutId id="2147483652" r:id="rId4"/>
-    <p:sldLayoutId id="2147483653" r:id="rId5"/>
-    <p:sldLayoutId id="2147483654" r:id="rId6"/>
-    <p:sldLayoutId id="2147483655" r:id="rId7"/>
-    <p:sldLayoutId id="2147483656" r:id="rId8"/>
-    <p:sldLayoutId id="2147483657" r:id="rId9"/>
-    <p:sldLayoutId id="2147483658" r:id="rId10"/>
-    <p:sldLayoutId id="2147483659" r:id="rId11"/>
+    <p:sldLayoutId id="2147484514" r:id="rId1"/>
+    <p:sldLayoutId id="2147484515" r:id="rId2"/>
+    <p:sldLayoutId id="2147484516" r:id="rId3"/>
+    <p:sldLayoutId id="2147484517" r:id="rId4"/>
+    <p:sldLayoutId id="2147484518" r:id="rId5"/>
+    <p:sldLayoutId id="2147484519" r:id="rId6"/>
+    <p:sldLayoutId id="2147484520" r:id="rId7"/>
+    <p:sldLayoutId id="2147484521" r:id="rId8"/>
+    <p:sldLayoutId id="2147484522" r:id="rId9"/>
+    <p:sldLayoutId id="2147484523" r:id="rId10"/>
+    <p:sldLayoutId id="2147484524" r:id="rId11"/>
   </p:sldLayoutIdLst>
   <p:txStyles>
     <p:titleStyle>
-      <a:lvl1pPr algn="ctr" defTabSz="457200" rtl="0" eaLnBrk="1" latinLnBrk="0" hangingPunct="1">
+      <a:lvl1pPr algn="l" defTabSz="685800" rtl="0" eaLnBrk="1" latinLnBrk="0" hangingPunct="1">
+        <a:lnSpc>
+          <a:spcPct val="90000"/>
+        </a:lnSpc>
         <a:spcBef>
           <a:spcPct val="0"/>
         </a:spcBef>
         <a:buNone/>
-        <a:defRPr sz="4400" kern="1200">
+        <a:defRPr kumimoji="1" sz="3200" b="0" i="0" kern="1200" cap="none">
           <a:solidFill>
             <a:schemeClr val="tx1"/>
           </a:solidFill>
+          <a:effectLst/>
           <a:latin typeface="+mj-lt"/>
           <a:ea typeface="+mj-ea"/>
           <a:cs typeface="+mj-cs"/>
@@ -2863,136 +3711,208 @@
       </a:lvl1pPr>
     </p:titleStyle>
     <p:bodyStyle>
-      <a:lvl1pPr marL="342900" indent="-342900" algn="l" defTabSz="457200" rtl="0" eaLnBrk="1" latinLnBrk="0" hangingPunct="1">
+      <a:lvl1pPr marL="228600" indent="-228600" algn="l" defTabSz="685800" rtl="0" eaLnBrk="1" latinLnBrk="0" hangingPunct="1">
+        <a:lnSpc>
+          <a:spcPct val="120000"/>
+        </a:lnSpc>
         <a:spcBef>
-          <a:spcPct val="20000"/>
+          <a:spcPts val="1000"/>
         </a:spcBef>
-        <a:buFont typeface="Arial"/>
+        <a:buClr>
+          <a:schemeClr val="accent1"/>
+        </a:buClr>
+        <a:buSzPct val="100000"/>
+        <a:buFont typeface="Arial" panose="020B0604020202020204" pitchFamily="34" charset="0"/>
         <a:buChar char="•"/>
-        <a:defRPr sz="3200" kern="1200">
+        <a:defRPr kumimoji="1" sz="2000" kern="1200" cap="none">
           <a:solidFill>
             <a:schemeClr val="tx1"/>
           </a:solidFill>
+          <a:effectLst/>
           <a:latin typeface="+mn-lt"/>
           <a:ea typeface="+mn-ea"/>
           <a:cs typeface="+mn-cs"/>
         </a:defRPr>
       </a:lvl1pPr>
-      <a:lvl2pPr marL="742950" indent="-285750" algn="l" defTabSz="457200" rtl="0" eaLnBrk="1" latinLnBrk="0" hangingPunct="1">
+      <a:lvl2pPr marL="685800" indent="-228600" algn="l" defTabSz="685800" rtl="0" eaLnBrk="1" latinLnBrk="0" hangingPunct="1">
+        <a:lnSpc>
+          <a:spcPct val="120000"/>
+        </a:lnSpc>
         <a:spcBef>
-          <a:spcPct val="20000"/>
+          <a:spcPts val="500"/>
         </a:spcBef>
-        <a:buFont typeface="Arial"/>
-        <a:buChar char="–"/>
-        <a:defRPr sz="2800" kern="1200">
+        <a:buClr>
+          <a:schemeClr val="accent1"/>
+        </a:buClr>
+        <a:buSzPct val="100000"/>
+        <a:buFont typeface="Arial" panose="020B0604020202020204" pitchFamily="34" charset="0"/>
+        <a:buChar char="•"/>
+        <a:defRPr kumimoji="1" sz="1600" kern="1200" cap="none" baseline="0">
           <a:solidFill>
             <a:schemeClr val="tx1"/>
           </a:solidFill>
+          <a:effectLst/>
           <a:latin typeface="+mn-lt"/>
           <a:ea typeface="+mn-ea"/>
           <a:cs typeface="+mn-cs"/>
         </a:defRPr>
       </a:lvl2pPr>
-      <a:lvl3pPr marL="1143000" indent="-228600" algn="l" defTabSz="457200" rtl="0" eaLnBrk="1" latinLnBrk="0" hangingPunct="1">
+      <a:lvl3pPr marL="1143000" indent="-228600" algn="l" defTabSz="685800" rtl="0" eaLnBrk="1" latinLnBrk="0" hangingPunct="1">
+        <a:lnSpc>
+          <a:spcPct val="120000"/>
+        </a:lnSpc>
         <a:spcBef>
-          <a:spcPct val="20000"/>
+          <a:spcPts val="500"/>
         </a:spcBef>
-        <a:buFont typeface="Arial"/>
+        <a:buClr>
+          <a:schemeClr val="accent1"/>
+        </a:buClr>
+        <a:buSzPct val="100000"/>
+        <a:buFont typeface="Arial" panose="020B0604020202020204" pitchFamily="34" charset="0"/>
         <a:buChar char="•"/>
-        <a:defRPr sz="2400" kern="1200">
+        <a:defRPr kumimoji="1" sz="1600" kern="1200" cap="none">
           <a:solidFill>
             <a:schemeClr val="tx1"/>
           </a:solidFill>
+          <a:effectLst/>
           <a:latin typeface="+mn-lt"/>
           <a:ea typeface="+mn-ea"/>
           <a:cs typeface="+mn-cs"/>
         </a:defRPr>
       </a:lvl3pPr>
-      <a:lvl4pPr marL="1600200" indent="-228600" algn="l" defTabSz="457200" rtl="0" eaLnBrk="1" latinLnBrk="0" hangingPunct="1">
+      <a:lvl4pPr marL="1600200" indent="-228600" algn="l" defTabSz="685800" rtl="0" eaLnBrk="1" latinLnBrk="0" hangingPunct="1">
+        <a:lnSpc>
+          <a:spcPct val="120000"/>
+        </a:lnSpc>
         <a:spcBef>
-          <a:spcPct val="20000"/>
+          <a:spcPts val="500"/>
         </a:spcBef>
-        <a:buFont typeface="Arial"/>
-        <a:buChar char="–"/>
-        <a:defRPr sz="2000" kern="1200">
+        <a:buClr>
+          <a:schemeClr val="accent1"/>
+        </a:buClr>
+        <a:buSzPct val="100000"/>
+        <a:buFont typeface="Arial" panose="020B0604020202020204" pitchFamily="34" charset="0"/>
+        <a:buChar char="•"/>
+        <a:defRPr kumimoji="1" sz="1400" kern="1200" cap="none" baseline="0">
           <a:solidFill>
             <a:schemeClr val="tx1"/>
           </a:solidFill>
+          <a:effectLst/>
           <a:latin typeface="+mn-lt"/>
           <a:ea typeface="+mn-ea"/>
           <a:cs typeface="+mn-cs"/>
         </a:defRPr>
       </a:lvl4pPr>
-      <a:lvl5pPr marL="2057400" indent="-228600" algn="l" defTabSz="457200" rtl="0" eaLnBrk="1" latinLnBrk="0" hangingPunct="1">
+      <a:lvl5pPr marL="2057400" indent="-228600" algn="l" defTabSz="685800" rtl="0" eaLnBrk="1" latinLnBrk="0" hangingPunct="1">
+        <a:lnSpc>
+          <a:spcPct val="120000"/>
+        </a:lnSpc>
         <a:spcBef>
-          <a:spcPct val="20000"/>
+          <a:spcPts val="500"/>
         </a:spcBef>
-        <a:buFont typeface="Arial"/>
-        <a:buChar char="»"/>
-        <a:defRPr sz="2000" kern="1200">
+        <a:buClr>
+          <a:schemeClr val="accent1"/>
+        </a:buClr>
+        <a:buSzPct val="100000"/>
+        <a:buFont typeface="Arial" panose="020B0604020202020204" pitchFamily="34" charset="0"/>
+        <a:buChar char="•"/>
+        <a:defRPr kumimoji="1" sz="1200" kern="1200" cap="none">
           <a:solidFill>
             <a:schemeClr val="tx1"/>
           </a:solidFill>
+          <a:effectLst/>
           <a:latin typeface="+mn-lt"/>
           <a:ea typeface="+mn-ea"/>
           <a:cs typeface="+mn-cs"/>
         </a:defRPr>
       </a:lvl5pPr>
-      <a:lvl6pPr marL="2514600" indent="-228600" algn="l" defTabSz="457200" rtl="0" eaLnBrk="1" latinLnBrk="0" hangingPunct="1">
+      <a:lvl6pPr marL="2514600" indent="-228600" algn="l" defTabSz="914400" rtl="0" eaLnBrk="1" latinLnBrk="0" hangingPunct="1">
+        <a:lnSpc>
+          <a:spcPct val="120000"/>
+        </a:lnSpc>
         <a:spcBef>
-          <a:spcPct val="20000"/>
+          <a:spcPts val="500"/>
         </a:spcBef>
-        <a:buFont typeface="Arial"/>
+        <a:buClr>
+          <a:schemeClr val="accent1"/>
+        </a:buClr>
+        <a:buSzPct val="100000"/>
+        <a:buFont typeface="Arial" panose="020B0604020202020204" pitchFamily="34" charset="0"/>
         <a:buChar char="•"/>
-        <a:defRPr sz="2000" kern="1200">
+        <a:defRPr kumimoji="1" sz="1200" kern="1200">
           <a:solidFill>
             <a:schemeClr val="tx1"/>
           </a:solidFill>
+          <a:effectLst/>
           <a:latin typeface="+mn-lt"/>
           <a:ea typeface="+mn-ea"/>
           <a:cs typeface="+mn-cs"/>
         </a:defRPr>
       </a:lvl6pPr>
-      <a:lvl7pPr marL="2971800" indent="-228600" algn="l" defTabSz="457200" rtl="0" eaLnBrk="1" latinLnBrk="0" hangingPunct="1">
+      <a:lvl7pPr marL="2971800" indent="-228600" algn="l" defTabSz="914400" rtl="0" eaLnBrk="1" latinLnBrk="0" hangingPunct="1">
+        <a:lnSpc>
+          <a:spcPct val="120000"/>
+        </a:lnSpc>
         <a:spcBef>
-          <a:spcPct val="20000"/>
+          <a:spcPts val="500"/>
         </a:spcBef>
-        <a:buFont typeface="Arial"/>
+        <a:buClr>
+          <a:schemeClr val="accent1"/>
+        </a:buClr>
+        <a:buSzPct val="100000"/>
+        <a:buFont typeface="Arial" panose="020B0604020202020204" pitchFamily="34" charset="0"/>
         <a:buChar char="•"/>
-        <a:defRPr sz="2000" kern="1200">
+        <a:defRPr kumimoji="1" sz="1200" kern="1200">
           <a:solidFill>
             <a:schemeClr val="tx1"/>
           </a:solidFill>
+          <a:effectLst/>
           <a:latin typeface="+mn-lt"/>
           <a:ea typeface="+mn-ea"/>
           <a:cs typeface="+mn-cs"/>
         </a:defRPr>
       </a:lvl7pPr>
-      <a:lvl8pPr marL="3429000" indent="-228600" algn="l" defTabSz="457200" rtl="0" eaLnBrk="1" latinLnBrk="0" hangingPunct="1">
+      <a:lvl8pPr marL="3429000" indent="-228600" algn="l" defTabSz="914400" rtl="0" eaLnBrk="1" latinLnBrk="0" hangingPunct="1">
+        <a:lnSpc>
+          <a:spcPct val="120000"/>
+        </a:lnSpc>
         <a:spcBef>
-          <a:spcPct val="20000"/>
+          <a:spcPts val="500"/>
         </a:spcBef>
-        <a:buFont typeface="Arial"/>
+        <a:buClr>
+          <a:schemeClr val="accent1"/>
+        </a:buClr>
+        <a:buSzPct val="100000"/>
+        <a:buFont typeface="Arial" panose="020B0604020202020204" pitchFamily="34" charset="0"/>
         <a:buChar char="•"/>
-        <a:defRPr sz="2000" kern="1200">
+        <a:defRPr kumimoji="1" sz="1200" kern="1200" baseline="0">
           <a:solidFill>
             <a:schemeClr val="tx1"/>
           </a:solidFill>
+          <a:effectLst/>
           <a:latin typeface="+mn-lt"/>
           <a:ea typeface="+mn-ea"/>
           <a:cs typeface="+mn-cs"/>
         </a:defRPr>
       </a:lvl8pPr>
-      <a:lvl9pPr marL="3886200" indent="-228600" algn="l" defTabSz="457200" rtl="0" eaLnBrk="1" latinLnBrk="0" hangingPunct="1">
+      <a:lvl9pPr marL="3886200" indent="-228600" algn="l" defTabSz="914400" rtl="0" eaLnBrk="1" latinLnBrk="0" hangingPunct="1">
+        <a:lnSpc>
+          <a:spcPct val="120000"/>
+        </a:lnSpc>
         <a:spcBef>
-          <a:spcPct val="20000"/>
+          <a:spcPts val="500"/>
         </a:spcBef>
-        <a:buFont typeface="Arial"/>
+        <a:buClr>
+          <a:schemeClr val="accent1"/>
+        </a:buClr>
+        <a:buSzPct val="100000"/>
+        <a:buFont typeface="Arial" panose="020B0604020202020204" pitchFamily="34" charset="0"/>
         <a:buChar char="•"/>
-        <a:defRPr sz="2000" kern="1200">
+        <a:defRPr kumimoji="1" sz="1200" kern="1200" baseline="0">
           <a:solidFill>
             <a:schemeClr val="tx1"/>
           </a:solidFill>
+          <a:effectLst/>
           <a:latin typeface="+mn-lt"/>
           <a:ea typeface="+mn-ea"/>
           <a:cs typeface="+mn-cs"/>
@@ -3003,8 +3923,8 @@
       <a:defPPr>
         <a:defRPr lang="en-US"/>
       </a:defPPr>
-      <a:lvl1pPr marL="0" algn="l" defTabSz="457200" rtl="0" eaLnBrk="1" latinLnBrk="0" hangingPunct="1">
-        <a:defRPr sz="1800" kern="1200">
+      <a:lvl1pPr marL="0" algn="l" defTabSz="685800" rtl="0" eaLnBrk="1" latinLnBrk="0" hangingPunct="1">
+        <a:defRPr kumimoji="1" sz="1350" kern="1200">
           <a:solidFill>
             <a:schemeClr val="tx1"/>
           </a:solidFill>
@@ -3013,8 +3933,8 @@
           <a:cs typeface="+mn-cs"/>
         </a:defRPr>
       </a:lvl1pPr>
-      <a:lvl2pPr marL="457200" algn="l" defTabSz="457200" rtl="0" eaLnBrk="1" latinLnBrk="0" hangingPunct="1">
-        <a:defRPr sz="1800" kern="1200">
+      <a:lvl2pPr marL="342900" algn="l" defTabSz="685800" rtl="0" eaLnBrk="1" latinLnBrk="0" hangingPunct="1">
+        <a:defRPr kumimoji="1" sz="1350" kern="1200">
           <a:solidFill>
             <a:schemeClr val="tx1"/>
           </a:solidFill>
@@ -3023,8 +3943,8 @@
           <a:cs typeface="+mn-cs"/>
         </a:defRPr>
       </a:lvl2pPr>
-      <a:lvl3pPr marL="914400" algn="l" defTabSz="457200" rtl="0" eaLnBrk="1" latinLnBrk="0" hangingPunct="1">
-        <a:defRPr sz="1800" kern="1200">
+      <a:lvl3pPr marL="685800" algn="l" defTabSz="685800" rtl="0" eaLnBrk="1" latinLnBrk="0" hangingPunct="1">
+        <a:defRPr kumimoji="1" sz="1350" kern="1200">
           <a:solidFill>
             <a:schemeClr val="tx1"/>
           </a:solidFill>
@@ -3033,8 +3953,8 @@
           <a:cs typeface="+mn-cs"/>
         </a:defRPr>
       </a:lvl3pPr>
-      <a:lvl4pPr marL="1371600" algn="l" defTabSz="457200" rtl="0" eaLnBrk="1" latinLnBrk="0" hangingPunct="1">
-        <a:defRPr sz="1800" kern="1200">
+      <a:lvl4pPr marL="1028700" algn="l" defTabSz="685800" rtl="0" eaLnBrk="1" latinLnBrk="0" hangingPunct="1">
+        <a:defRPr kumimoji="1" sz="1350" kern="1200">
           <a:solidFill>
             <a:schemeClr val="tx1"/>
           </a:solidFill>
@@ -3043,8 +3963,8 @@
           <a:cs typeface="+mn-cs"/>
         </a:defRPr>
       </a:lvl4pPr>
-      <a:lvl5pPr marL="1828800" algn="l" defTabSz="457200" rtl="0" eaLnBrk="1" latinLnBrk="0" hangingPunct="1">
-        <a:defRPr sz="1800" kern="1200">
+      <a:lvl5pPr marL="1371600" algn="l" defTabSz="685800" rtl="0" eaLnBrk="1" latinLnBrk="0" hangingPunct="1">
+        <a:defRPr kumimoji="1" sz="1350" kern="1200">
           <a:solidFill>
             <a:schemeClr val="tx1"/>
           </a:solidFill>
@@ -3053,8 +3973,8 @@
           <a:cs typeface="+mn-cs"/>
         </a:defRPr>
       </a:lvl5pPr>
-      <a:lvl6pPr marL="2286000" algn="l" defTabSz="457200" rtl="0" eaLnBrk="1" latinLnBrk="0" hangingPunct="1">
-        <a:defRPr sz="1800" kern="1200">
+      <a:lvl6pPr marL="1714500" algn="l" defTabSz="685800" rtl="0" eaLnBrk="1" latinLnBrk="0" hangingPunct="1">
+        <a:defRPr kumimoji="1" sz="1350" kern="1200">
           <a:solidFill>
             <a:schemeClr val="tx1"/>
           </a:solidFill>
@@ -3063,8 +3983,8 @@
           <a:cs typeface="+mn-cs"/>
         </a:defRPr>
       </a:lvl6pPr>
-      <a:lvl7pPr marL="2743200" algn="l" defTabSz="457200" rtl="0" eaLnBrk="1" latinLnBrk="0" hangingPunct="1">
-        <a:defRPr sz="1800" kern="1200">
+      <a:lvl7pPr marL="2057400" algn="l" defTabSz="685800" rtl="0" eaLnBrk="1" latinLnBrk="0" hangingPunct="1">
+        <a:defRPr kumimoji="1" sz="1350" kern="1200">
           <a:solidFill>
             <a:schemeClr val="tx1"/>
           </a:solidFill>
@@ -3073,8 +3993,8 @@
           <a:cs typeface="+mn-cs"/>
         </a:defRPr>
       </a:lvl7pPr>
-      <a:lvl8pPr marL="3200400" algn="l" defTabSz="457200" rtl="0" eaLnBrk="1" latinLnBrk="0" hangingPunct="1">
-        <a:defRPr sz="1800" kern="1200">
+      <a:lvl8pPr marL="2400300" algn="l" defTabSz="685800" rtl="0" eaLnBrk="1" latinLnBrk="0" hangingPunct="1">
+        <a:defRPr kumimoji="1" sz="1350" kern="1200">
           <a:solidFill>
             <a:schemeClr val="tx1"/>
           </a:solidFill>
@@ -3083,8 +4003,8 @@
           <a:cs typeface="+mn-cs"/>
         </a:defRPr>
       </a:lvl8pPr>
-      <a:lvl9pPr marL="3657600" algn="l" defTabSz="457200" rtl="0" eaLnBrk="1" latinLnBrk="0" hangingPunct="1">
-        <a:defRPr sz="1800" kern="1200">
+      <a:lvl9pPr marL="2743200" algn="l" defTabSz="685800" rtl="0" eaLnBrk="1" latinLnBrk="0" hangingPunct="1">
+        <a:defRPr kumimoji="1" sz="1350" kern="1200">
           <a:solidFill>
             <a:schemeClr val="tx1"/>
           </a:solidFill>
@@ -3095,6 +4015,11 @@
       </a:lvl9pPr>
     </p:otherStyle>
   </p:txStyles>
+  <p:extLst>
+    <p:ext uri="{27BBF7A9-308A-43DC-89C8-2F10F3537804}">
+      <p15:sldGuideLst xmlns:p15="http://schemas.microsoft.com/office/powerpoint/2012/main"/>
+    </p:ext>
+  </p:extLst>
 </p:sldMaster>
 </file>
 
@@ -3127,8 +4052,8 @@
         </p:nvSpPr>
         <p:spPr>
           <a:xfrm>
-            <a:off x="685800" y="2130425"/>
-            <a:ext cx="7772400" cy="1470025"/>
+            <a:off x="1125459" y="959313"/>
+            <a:ext cx="5760741" cy="2571891"/>
           </a:xfrm>
         </p:spPr>
         <p:txBody>
@@ -3157,8 +4082,8 @@
         </p:nvSpPr>
         <p:spPr>
           <a:xfrm>
-            <a:off x="1371600" y="3886200"/>
-            <a:ext cx="6400800" cy="1752600"/>
+            <a:off x="1125459" y="3531205"/>
+            <a:ext cx="5760741" cy="977621"/>
           </a:xfrm>
         </p:spPr>
         <p:txBody>
@@ -3248,8 +4173,8 @@
         </p:nvSpPr>
         <p:spPr>
           <a:xfrm>
-            <a:off x="722313" y="4406900"/>
-            <a:ext cx="7772400" cy="1362075"/>
+            <a:off x="1125459" y="1756130"/>
+            <a:ext cx="5764142" cy="2050066"/>
           </a:xfrm>
         </p:spPr>
         <p:txBody>
@@ -3474,40 +4399,45 @@
           </a:p>
         </p:txBody>
       </p:sp>
-      <p:sp>
-        <p:nvSpPr>
-          <p:cNvPr id="3" name="Content Placeholder 2"/>
-          <p:cNvSpPr>
-            <a:spLocks noGrp="1"/>
-          </p:cNvSpPr>
-          <p:nvPr>
-            <p:ph idx="1"/>
-          </p:nvPr>
-        </p:nvSpPr>
-        <p:spPr/>
-        <p:txBody>
-          <a:bodyPr/>
-          <a:lstStyle/>
-          <a:p>
-            <a:pPr lvl="0" marL="0" indent="0">
-              <a:buNone/>
-            </a:pPr>
-            <a:r>
-              <a:rPr/>
-              <a:t>[image.png]</a:t>
-            </a:r>
-          </a:p>
-        </p:txBody>
-      </p:sp>
+      <p:pic>
+        <p:nvPicPr>
+          <p:cNvPr descr="image.png" id="0" name="Picture 1"/>
+          <p:cNvPicPr>
+            <a:picLocks noGrp="1" noChangeAspect="1"/>
+          </p:cNvPicPr>
+          <p:nvPr/>
+        </p:nvPicPr>
+        <p:blipFill>
+          <a:blip r:embed="rId2"/>
+          <a:stretch>
+            <a:fillRect/>
+          </a:stretch>
+        </p:blipFill>
+        <p:spPr bwMode="auto">
+          <a:xfrm>
+            <a:off x="2921000" y="2159000"/>
+            <a:ext cx="2971800" cy="3276600"/>
+          </a:xfrm>
+          <a:prstGeom prst="rect">
+            <a:avLst/>
+          </a:prstGeom>
+          <a:noFill/>
+          <a:ln w="9525">
+            <a:noFill/>
+            <a:headEnd/>
+            <a:tailEnd/>
+          </a:ln>
+        </p:spPr>
+      </p:pic>
     </p:spTree>
   </p:cSld>
 </p:sld>
 </file>
 
 <file path=ppt/theme/theme1.xml><?xml version="1.0" encoding="utf-8"?>
-<a:theme xmlns:a="http://schemas.openxmlformats.org/drawingml/2006/main" name="Office Theme">
+<a:theme xmlns:a="http://schemas.openxmlformats.org/drawingml/2006/main" name="ギャラリー">
   <a:themeElements>
-    <a:clrScheme name="Office">
+    <a:clrScheme name="ギャラリー">
       <a:dk1>
         <a:sysClr val="windowText" lastClr="000000"/>
       </a:dk1>
@@ -3515,44 +4445,44 @@
         <a:sysClr val="window" lastClr="FFFFFF"/>
       </a:lt1>
       <a:dk2>
-        <a:srgbClr val="1F497D"/>
+        <a:srgbClr val="454545"/>
       </a:dk2>
       <a:lt2>
-        <a:srgbClr val="EEECE1"/>
+        <a:srgbClr val="DCDCE0"/>
       </a:lt2>
       <a:accent1>
-        <a:srgbClr val="4F81BD"/>
+        <a:srgbClr val="415588"/>
       </a:accent1>
       <a:accent2>
-        <a:srgbClr val="C0504D"/>
+        <a:srgbClr val="4294B6"/>
       </a:accent2>
       <a:accent3>
-        <a:srgbClr val="9BBB59"/>
+        <a:srgbClr val="087D7C"/>
       </a:accent3>
       <a:accent4>
-        <a:srgbClr val="8064A2"/>
+        <a:srgbClr val="04B663"/>
       </a:accent4>
       <a:accent5>
-        <a:srgbClr val="4BACC6"/>
+        <a:srgbClr val="DF8822"/>
       </a:accent5>
       <a:accent6>
-        <a:srgbClr val="F79646"/>
+        <a:srgbClr val="BC410A"/>
       </a:accent6>
       <a:hlink>
-        <a:srgbClr val="0000FF"/>
+        <a:srgbClr val="5977C4"/>
       </a:hlink>
       <a:folHlink>
-        <a:srgbClr val="800080"/>
+        <a:srgbClr val="01A9BF"/>
       </a:folHlink>
     </a:clrScheme>
-    <a:fontScheme name="Office">
+    <a:fontScheme name="ギャラリー">
       <a:majorFont>
-        <a:latin typeface="Calibri"/>
+        <a:latin typeface="Century Gothic" panose="020B0502020202020204"/>
         <a:ea typeface=""/>
         <a:cs typeface=""/>
-        <a:font script="Jpan" typeface="ＭＳ Ｐゴシック"/>
+        <a:font script="Jpan" typeface="游ゴシック Light"/>
         <a:font script="Hang" typeface="맑은 고딕"/>
-        <a:font script="Hans" typeface="宋体"/>
+        <a:font script="Hans" typeface="等线 Light"/>
         <a:font script="Hant" typeface="新細明體"/>
         <a:font script="Arab" typeface="Times New Roman"/>
         <a:font script="Hebr" typeface="Times New Roman"/>
@@ -3582,12 +4512,12 @@
         <a:font script="Geor" typeface="Sylfaen"/>
       </a:majorFont>
       <a:minorFont>
-        <a:latin typeface="Calibri"/>
+        <a:latin typeface="Century Gothic" panose="020B0502020202020204"/>
         <a:ea typeface=""/>
         <a:cs typeface=""/>
-        <a:font script="Jpan" typeface="ＭＳ Ｐゴシック"/>
+        <a:font script="Jpan" typeface="游ゴシック"/>
         <a:font script="Hang" typeface="맑은 고딕"/>
-        <a:font script="Hans" typeface="宋体"/>
+        <a:font script="Hans" typeface="等线"/>
         <a:font script="Hant" typeface="新細明體"/>
         <a:font script="Arab" typeface="Arial"/>
         <a:font script="Hebr" typeface="Arial"/>
@@ -3617,7 +4547,7 @@
         <a:font script="Geor" typeface="Sylfaen"/>
       </a:minorFont>
     </a:fontScheme>
-    <a:fmtScheme name="Office">
+    <a:fmtScheme name="ギャラリー">
       <a:fillStyleLst>
         <a:solidFill>
           <a:schemeClr val="phClr"/>
@@ -3626,62 +4556,64 @@
           <a:gsLst>
             <a:gs pos="0">
               <a:schemeClr val="phClr">
-                <a:tint val="50000"/>
-                <a:satMod val="300000"/>
-              </a:schemeClr>
-            </a:gs>
-            <a:gs pos="35000">
-              <a:schemeClr val="phClr">
-                <a:tint val="37000"/>
-                <a:satMod val="300000"/>
+                <a:tint val="54000"/>
+                <a:alpha val="100000"/>
+                <a:satMod val="105000"/>
+                <a:lumMod val="110000"/>
               </a:schemeClr>
             </a:gs>
             <a:gs pos="100000">
               <a:schemeClr val="phClr">
-                <a:tint val="15000"/>
-                <a:satMod val="350000"/>
+                <a:tint val="78000"/>
+                <a:alpha val="92000"/>
+                <a:satMod val="109000"/>
+                <a:lumMod val="100000"/>
               </a:schemeClr>
             </a:gs>
           </a:gsLst>
-          <a:lin ang="16200000" scaled="1"/>
+          <a:lin ang="5400000" scaled="0"/>
         </a:gradFill>
         <a:gradFill rotWithShape="1">
           <a:gsLst>
             <a:gs pos="0">
               <a:schemeClr val="phClr">
-                <a:tint val="100000"/>
-                <a:shade val="100000"/>
+                <a:tint val="98000"/>
+                <a:satMod val="110000"/>
+                <a:lumMod val="104000"/>
+              </a:schemeClr>
+            </a:gs>
+            <a:gs pos="69000">
+              <a:schemeClr val="phClr">
+                <a:shade val="88000"/>
                 <a:satMod val="130000"/>
+                <a:lumMod val="92000"/>
               </a:schemeClr>
             </a:gs>
             <a:gs pos="100000">
               <a:schemeClr val="phClr">
-                <a:tint val="50000"/>
-                <a:shade val="100000"/>
-                <a:satMod val="350000"/>
+                <a:shade val="78000"/>
+                <a:satMod val="130000"/>
+                <a:lumMod val="92000"/>
               </a:schemeClr>
             </a:gs>
           </a:gsLst>
-          <a:lin ang="16200000" scaled="0"/>
+          <a:lin ang="5400000" scaled="0"/>
         </a:gradFill>
       </a:fillStyleLst>
       <a:lnStyleLst>
         <a:ln w="9525" cap="flat" cmpd="sng" algn="ctr">
           <a:solidFill>
-            <a:schemeClr val="phClr">
-              <a:shade val="95000"/>
-              <a:satMod val="105000"/>
-            </a:schemeClr>
+            <a:schemeClr val="phClr"/>
           </a:solidFill>
           <a:prstDash val="solid"/>
         </a:ln>
-        <a:ln w="25400" cap="flat" cmpd="sng" algn="ctr">
+        <a:ln w="15875" cap="flat" cmpd="sng" algn="ctr">
           <a:solidFill>
             <a:schemeClr val="phClr"/>
           </a:solidFill>
           <a:prstDash val="solid"/>
         </a:ln>
-        <a:ln w="38100" cap="flat" cmpd="sng" algn="ctr">
+        <a:ln w="22225" cap="flat" cmpd="sng" algn="ctr">
           <a:solidFill>
             <a:schemeClr val="phClr"/>
           </a:solidFill>
@@ -3690,28 +4622,16 @@
       </a:lnStyleLst>
       <a:effectStyleLst>
         <a:effectStyle>
-          <a:effectLst>
-            <a:outerShdw blurRad="40000" dist="20000" dir="5400000" rotWithShape="0">
-              <a:srgbClr val="000000">
-                <a:alpha val="38000"/>
-              </a:srgbClr>
-            </a:outerShdw>
-          </a:effectLst>
+          <a:effectLst/>
+        </a:effectStyle>
+        <a:effectStyle>
+          <a:effectLst/>
         </a:effectStyle>
         <a:effectStyle>
           <a:effectLst>
-            <a:outerShdw blurRad="40000" dist="23000" dir="5400000" rotWithShape="0">
+            <a:outerShdw blurRad="50800" dist="50800" dir="5400000" sx="96000" sy="96000" rotWithShape="0">
               <a:srgbClr val="000000">
-                <a:alpha val="35000"/>
-              </a:srgbClr>
-            </a:outerShdw>
-          </a:effectLst>
-        </a:effectStyle>
-        <a:effectStyle>
-          <a:effectLst>
-            <a:outerShdw blurRad="40000" dist="23000" dir="5400000" rotWithShape="0">
-              <a:srgbClr val="000000">
-                <a:alpha val="35000"/>
+                <a:alpha val="48000"/>
               </a:srgbClr>
             </a:outerShdw>
           </a:effectLst>
@@ -3719,12 +4639,12 @@
             <a:camera prst="orthographicFront">
               <a:rot lat="0" lon="0" rev="0"/>
             </a:camera>
-            <a:lightRig rig="threePt" dir="t">
-              <a:rot lat="0" lon="0" rev="1200000"/>
+            <a:lightRig rig="balanced" dir="t">
+              <a:rot lat="0" lon="0" rev="1080000"/>
             </a:lightRig>
           </a:scene3d>
           <a:sp3d>
-            <a:bevelT w="63500" h="25400"/>
+            <a:bevelT w="38100" h="12700" prst="softRound"/>
           </a:sp3d>
         </a:effectStyle>
       </a:effectStyleLst>
@@ -3732,44 +4652,22 @@
         <a:solidFill>
           <a:schemeClr val="phClr"/>
         </a:solidFill>
+        <a:solidFill>
+          <a:schemeClr val="phClr"/>
+        </a:solidFill>
         <a:gradFill rotWithShape="1">
           <a:gsLst>
             <a:gs pos="0">
               <a:schemeClr val="phClr">
-                <a:tint val="40000"/>
-                <a:satMod val="350000"/>
-              </a:schemeClr>
-            </a:gs>
-            <a:gs pos="40000">
-              <a:schemeClr val="phClr">
-                <a:tint val="45000"/>
-                <a:shade val="99000"/>
-                <a:satMod val="350000"/>
+                <a:tint val="94000"/>
+                <a:satMod val="80000"/>
+                <a:lumMod val="106000"/>
               </a:schemeClr>
             </a:gs>
             <a:gs pos="100000">
               <a:schemeClr val="phClr">
-                <a:shade val="20000"/>
-                <a:satMod val="255000"/>
-              </a:schemeClr>
-            </a:gs>
-          </a:gsLst>
-          <a:path path="circle">
-            <a:fillToRect l="50000" t="-80000" r="50000" b="180000"/>
-          </a:path>
-        </a:gradFill>
-        <a:gradFill rotWithShape="1">
-          <a:gsLst>
-            <a:gs pos="0">
-              <a:schemeClr val="phClr">
-                <a:tint val="80000"/>
-                <a:satMod val="300000"/>
-              </a:schemeClr>
-            </a:gs>
-            <a:gs pos="100000">
-              <a:schemeClr val="phClr">
-                <a:shade val="30000"/>
-                <a:satMod val="200000"/>
+                <a:shade val="80000"/>
+                <a:lumMod val="108000"/>
               </a:schemeClr>
             </a:gs>
           </a:gsLst>
@@ -3780,46 +4678,12 @@
       </a:bgFillStyleLst>
     </a:fmtScheme>
   </a:themeElements>
-  <a:objectDefaults>
-    <a:spDef>
-      <a:spPr/>
-      <a:bodyPr/>
-      <a:lstStyle/>
-      <a:style>
-        <a:lnRef idx="1">
-          <a:schemeClr val="accent1"/>
-        </a:lnRef>
-        <a:fillRef idx="3">
-          <a:schemeClr val="accent1"/>
-        </a:fillRef>
-        <a:effectRef idx="2">
-          <a:schemeClr val="accent1"/>
-        </a:effectRef>
-        <a:fontRef idx="minor">
-          <a:schemeClr val="lt1"/>
-        </a:fontRef>
-      </a:style>
-    </a:spDef>
-    <a:lnDef>
-      <a:spPr/>
-      <a:bodyPr/>
-      <a:lstStyle/>
-      <a:style>
-        <a:lnRef idx="2">
-          <a:schemeClr val="accent1"/>
-        </a:lnRef>
-        <a:fillRef idx="0">
-          <a:schemeClr val="accent1"/>
-        </a:fillRef>
-        <a:effectRef idx="1">
-          <a:schemeClr val="accent1"/>
-        </a:effectRef>
-        <a:fontRef idx="minor">
-          <a:schemeClr val="tx1"/>
-        </a:fontRef>
-      </a:style>
-    </a:lnDef>
-  </a:objectDefaults>
+  <a:objectDefaults/>
   <a:extraClrSchemeLst/>
+  <a:extLst>
+    <a:ext uri="{05A4C25C-085E-4340-85A3-A5531E510DB2}">
+      <thm15:themeFamily xmlns:thm15="http://schemas.microsoft.com/office/thememl/2012/main" name="Gallery" id="{BBFCD31E-59A1-489D-B089-A3EAD7CAE12E}" vid="{E050AC27-895F-4B90-991D-A6818FC89AB6}"/>
+    </a:ext>
+  </a:extLst>
 </a:theme>
 </file>